--- a/01.PŁ.ZaawansowaneZagadnieniaProgramowaniawJavie.TechnologieWspomagające.pptx
+++ b/01.PŁ.ZaawansowaneZagadnieniaProgramowaniawJavie.TechnologieWspomagające.pptx
@@ -5,18 +5,22 @@
     <p:sldMasterId id="2147483680" r:id="rId4"/>
   </p:sldMasterIdLst>
   <p:notesMasterIdLst>
-    <p:notesMasterId r:id="rId14"/>
+    <p:notesMasterId r:id="rId18"/>
   </p:notesMasterIdLst>
   <p:sldIdLst>
-    <p:sldId id="410" r:id="rId5"/>
-    <p:sldId id="411" r:id="rId6"/>
-    <p:sldId id="413" r:id="rId7"/>
-    <p:sldId id="414" r:id="rId8"/>
-    <p:sldId id="412" r:id="rId9"/>
-    <p:sldId id="416" r:id="rId10"/>
-    <p:sldId id="417" r:id="rId11"/>
-    <p:sldId id="415" r:id="rId12"/>
-    <p:sldId id="422" r:id="rId13"/>
+    <p:sldId id="400" r:id="rId5"/>
+    <p:sldId id="410" r:id="rId6"/>
+    <p:sldId id="411" r:id="rId7"/>
+    <p:sldId id="413" r:id="rId8"/>
+    <p:sldId id="414" r:id="rId9"/>
+    <p:sldId id="412" r:id="rId10"/>
+    <p:sldId id="416" r:id="rId11"/>
+    <p:sldId id="417" r:id="rId12"/>
+    <p:sldId id="415" r:id="rId13"/>
+    <p:sldId id="422" r:id="rId14"/>
+    <p:sldId id="420" r:id="rId15"/>
+    <p:sldId id="421" r:id="rId16"/>
+    <p:sldId id="418" r:id="rId17"/>
   </p:sldIdLst>
   <p:sldSz cx="9144000" cy="6858000" type="screen4x3"/>
   <p:notesSz cx="6797675" cy="9926638"/>
@@ -216,7 +220,7 @@
           <a:p>
             <a:fld id="{93C610F8-E82E-44B5-8989-B2D6DB8B26E2}" type="datetimeFigureOut">
               <a:rPr lang="pl-PL" smtClean="0"/>
-              <a:t>26.02.2018</a:t>
+              <a:t>27.02.2018</a:t>
             </a:fld>
             <a:endParaRPr lang="pl-PL"/>
           </a:p>
@@ -827,6 +831,107 @@
 
 <file path=ppt/slideLayouts/slideLayout10.xml><?xml version="1.0" encoding="utf-8"?>
 <p:sldLayout xmlns:a="http://schemas.openxmlformats.org/drawingml/2006/main" xmlns:r="http://schemas.openxmlformats.org/officeDocument/2006/relationships" xmlns:p="http://schemas.openxmlformats.org/presentationml/2006/main" userDrawn="1">
+  <p:cSld name="1_Slajd tytułowy">
+    <p:spTree>
+      <p:nvGrpSpPr>
+        <p:cNvPr id="1" name=""/>
+        <p:cNvGrpSpPr/>
+        <p:nvPr/>
+      </p:nvGrpSpPr>
+      <p:grpSpPr>
+        <a:xfrm>
+          <a:off x="0" y="0"/>
+          <a:ext cx="0" cy="0"/>
+          <a:chOff x="0" y="0"/>
+          <a:chExt cx="0" cy="0"/>
+        </a:xfrm>
+      </p:grpSpPr>
+      <p:pic>
+        <p:nvPicPr>
+          <p:cNvPr id="2" name="Obraz 1"/>
+          <p:cNvPicPr>
+            <a:picLocks noChangeAspect="1"/>
+          </p:cNvPicPr>
+          <p:nvPr userDrawn="1"/>
+        </p:nvPicPr>
+        <p:blipFill>
+          <a:blip r:embed="rId2">
+            <a:extLst>
+              <a:ext uri="{28A0092B-C50C-407E-A947-70E740481C1C}">
+                <a14:useLocalDpi xmlns:a14="http://schemas.microsoft.com/office/drawing/2010/main" val="0"/>
+              </a:ext>
+            </a:extLst>
+          </a:blip>
+          <a:stretch>
+            <a:fillRect/>
+          </a:stretch>
+        </p:blipFill>
+        <p:spPr>
+          <a:xfrm>
+            <a:off x="0" y="0"/>
+            <a:ext cx="9141885" cy="6858000"/>
+          </a:xfrm>
+          <a:prstGeom prst="rect">
+            <a:avLst/>
+          </a:prstGeom>
+        </p:spPr>
+      </p:pic>
+      <p:sp>
+        <p:nvSpPr>
+          <p:cNvPr id="9" name="Title 1"/>
+          <p:cNvSpPr>
+            <a:spLocks noGrp="1"/>
+          </p:cNvSpPr>
+          <p:nvPr>
+            <p:ph type="ctrTitle" hasCustomPrompt="1"/>
+          </p:nvPr>
+        </p:nvSpPr>
+        <p:spPr>
+          <a:xfrm>
+            <a:off x="485775" y="3308065"/>
+            <a:ext cx="6768704" cy="2123658"/>
+          </a:xfrm>
+        </p:spPr>
+        <p:txBody>
+          <a:bodyPr anchor="ctr">
+            <a:normAutofit/>
+          </a:bodyPr>
+          <a:lstStyle>
+            <a:lvl1pPr algn="l">
+              <a:defRPr sz="4400" b="1">
+                <a:solidFill>
+                  <a:schemeClr val="bg1"/>
+                </a:solidFill>
+                <a:latin typeface="+mj-lt"/>
+                <a:ea typeface="Quicksand" charset="0"/>
+                <a:cs typeface="Quicksand" charset="0"/>
+              </a:defRPr>
+            </a:lvl1pPr>
+          </a:lstStyle>
+          <a:p>
+            <a:r>
+              <a:rPr lang="pl-PL" dirty="0" smtClean="0"/>
+              <a:t>Content</a:t>
+            </a:r>
+            <a:endParaRPr lang="en-US" dirty="0"/>
+          </a:p>
+        </p:txBody>
+      </p:sp>
+    </p:spTree>
+    <p:extLst>
+      <p:ext uri="{BB962C8B-B14F-4D97-AF65-F5344CB8AC3E}">
+        <p14:creationId xmlns:p14="http://schemas.microsoft.com/office/powerpoint/2010/main" val="3026942784"/>
+      </p:ext>
+    </p:extLst>
+  </p:cSld>
+  <p:clrMapOvr>
+    <a:masterClrMapping/>
+  </p:clrMapOvr>
+</p:sldLayout>
+</file>
+
+<file path=ppt/slideLayouts/slideLayout11.xml><?xml version="1.0" encoding="utf-8"?>
+<p:sldLayout xmlns:a="http://schemas.openxmlformats.org/drawingml/2006/main" xmlns:r="http://schemas.openxmlformats.org/officeDocument/2006/relationships" xmlns:p="http://schemas.openxmlformats.org/presentationml/2006/main" userDrawn="1">
   <p:cSld name="2_Tytuł i zawartość">
     <p:spTree>
       <p:nvGrpSpPr>
@@ -5303,7 +5408,8 @@
     <p:sldLayoutId id="2147483688" r:id="rId7"/>
     <p:sldLayoutId id="2147483689" r:id="rId8"/>
     <p:sldLayoutId id="2147483690" r:id="rId9"/>
-    <p:sldLayoutId id="2147483698" r:id="rId10"/>
+    <p:sldLayoutId id="2147483692" r:id="rId10"/>
+    <p:sldLayoutId id="2147483698" r:id="rId11"/>
   </p:sldLayoutIdLst>
   <p:timing>
     <p:tnLst>
@@ -5584,6 +5690,891 @@
       </p:grpSpPr>
       <p:sp>
         <p:nvSpPr>
+          <p:cNvPr id="4" name="Tytuł 3"/>
+          <p:cNvSpPr>
+            <a:spLocks noGrp="1"/>
+          </p:cNvSpPr>
+          <p:nvPr>
+            <p:ph type="ctrTitle"/>
+          </p:nvPr>
+        </p:nvSpPr>
+        <p:spPr>
+          <a:xfrm>
+            <a:off x="485774" y="3308065"/>
+            <a:ext cx="7796077" cy="2123658"/>
+          </a:xfrm>
+        </p:spPr>
+        <p:txBody>
+          <a:bodyPr>
+            <a:normAutofit fontScale="90000"/>
+          </a:bodyPr>
+          <a:lstStyle/>
+          <a:p>
+            <a:r>
+              <a:rPr lang="pl-PL" dirty="0" smtClean="0">
+                <a:latin typeface="Arial" panose="020B0604020202020204" pitchFamily="34" charset="0"/>
+                <a:cs typeface="Arial" panose="020B0604020202020204" pitchFamily="34" charset="0"/>
+              </a:rPr>
+              <a:t>Narzędzia i technologie wspomagające programowanie </a:t>
+            </a:r>
+            <a:br>
+              <a:rPr lang="pl-PL" dirty="0" smtClean="0">
+                <a:latin typeface="Arial" panose="020B0604020202020204" pitchFamily="34" charset="0"/>
+                <a:cs typeface="Arial" panose="020B0604020202020204" pitchFamily="34" charset="0"/>
+              </a:rPr>
+            </a:br>
+            <a:r>
+              <a:rPr lang="pl-PL" dirty="0">
+                <a:latin typeface="Arial" panose="020B0604020202020204" pitchFamily="34" charset="0"/>
+                <a:cs typeface="Arial" panose="020B0604020202020204" pitchFamily="34" charset="0"/>
+              </a:rPr>
+              <a:t/>
+            </a:r>
+            <a:br>
+              <a:rPr lang="pl-PL" dirty="0">
+                <a:latin typeface="Arial" panose="020B0604020202020204" pitchFamily="34" charset="0"/>
+                <a:cs typeface="Arial" panose="020B0604020202020204" pitchFamily="34" charset="0"/>
+              </a:rPr>
+            </a:br>
+            <a:r>
+              <a:rPr lang="pl-PL" dirty="0" smtClean="0">
+                <a:latin typeface="Arial" panose="020B0604020202020204" pitchFamily="34" charset="0"/>
+                <a:cs typeface="Arial" panose="020B0604020202020204" pitchFamily="34" charset="0"/>
+              </a:rPr>
+              <a:t>Edycja 2018</a:t>
+            </a:r>
+            <a:endParaRPr lang="pl-PL" dirty="0">
+              <a:latin typeface="Arial" panose="020B0604020202020204" pitchFamily="34" charset="0"/>
+              <a:cs typeface="Arial" panose="020B0604020202020204" pitchFamily="34" charset="0"/>
+            </a:endParaRPr>
+          </a:p>
+        </p:txBody>
+      </p:sp>
+    </p:spTree>
+    <p:extLst>
+      <p:ext uri="{BB962C8B-B14F-4D97-AF65-F5344CB8AC3E}">
+        <p14:creationId xmlns:p14="http://schemas.microsoft.com/office/powerpoint/2010/main" val="3326373260"/>
+      </p:ext>
+    </p:extLst>
+  </p:cSld>
+  <p:clrMapOvr>
+    <a:masterClrMapping/>
+  </p:clrMapOvr>
+  <p:timing>
+    <p:tnLst>
+      <p:par>
+        <p:cTn id="1" dur="indefinite" restart="never" nodeType="tmRoot"/>
+      </p:par>
+    </p:tnLst>
+  </p:timing>
+</p:sld>
+</file>
+
+<file path=ppt/slides/slide10.xml><?xml version="1.0" encoding="utf-8"?>
+<p:sld xmlns:a="http://schemas.openxmlformats.org/drawingml/2006/main" xmlns:r="http://schemas.openxmlformats.org/officeDocument/2006/relationships" xmlns:p="http://schemas.openxmlformats.org/presentationml/2006/main">
+  <p:cSld>
+    <p:spTree>
+      <p:nvGrpSpPr>
+        <p:cNvPr id="1" name=""/>
+        <p:cNvGrpSpPr/>
+        <p:nvPr/>
+      </p:nvGrpSpPr>
+      <p:grpSpPr>
+        <a:xfrm>
+          <a:off x="0" y="0"/>
+          <a:ext cx="0" cy="0"/>
+          <a:chOff x="0" y="0"/>
+          <a:chExt cx="0" cy="0"/>
+        </a:xfrm>
+      </p:grpSpPr>
+      <p:sp>
+        <p:nvSpPr>
+          <p:cNvPr id="2" name="Symbol zastępczy zawartości 1"/>
+          <p:cNvSpPr>
+            <a:spLocks noGrp="1"/>
+          </p:cNvSpPr>
+          <p:nvPr>
+            <p:ph idx="1"/>
+          </p:nvPr>
+        </p:nvSpPr>
+        <p:spPr/>
+        <p:txBody>
+          <a:bodyPr>
+            <a:normAutofit/>
+          </a:bodyPr>
+          <a:lstStyle/>
+          <a:p>
+            <a:r>
+              <a:rPr lang="en-US" sz="2400" dirty="0" smtClean="0"/>
+              <a:t>Download </a:t>
+            </a:r>
+            <a:r>
+              <a:rPr lang="en-US" sz="2400" dirty="0" err="1" smtClean="0"/>
+              <a:t>Gradle</a:t>
+            </a:r>
+            <a:r>
+              <a:rPr lang="en-US" sz="2400" dirty="0" smtClean="0"/>
+              <a:t> package</a:t>
+            </a:r>
+          </a:p>
+          <a:p>
+            <a:r>
+              <a:rPr lang="en-US" sz="2400" dirty="0" smtClean="0"/>
+              <a:t>Set environment variable GRADLE_HOME</a:t>
+            </a:r>
+          </a:p>
+          <a:p>
+            <a:r>
+              <a:rPr lang="en-US" sz="2400" dirty="0" smtClean="0"/>
+              <a:t>Check </a:t>
+            </a:r>
+            <a:r>
+              <a:rPr lang="en-US" sz="2400" i="1" dirty="0" err="1" smtClean="0"/>
+              <a:t>gradle</a:t>
+            </a:r>
+            <a:r>
+              <a:rPr lang="en-US" sz="2400" i="1" dirty="0" smtClean="0"/>
+              <a:t> -version</a:t>
+            </a:r>
+          </a:p>
+          <a:p>
+            <a:r>
+              <a:rPr lang="en-US" sz="2400" dirty="0" smtClean="0"/>
+              <a:t>Create new project: </a:t>
+            </a:r>
+            <a:r>
+              <a:rPr lang="en-US" sz="2400" i="1" dirty="0" err="1" smtClean="0"/>
+              <a:t>gradle</a:t>
+            </a:r>
+            <a:r>
+              <a:rPr lang="en-US" sz="2400" i="1" dirty="0" smtClean="0"/>
+              <a:t> </a:t>
+            </a:r>
+            <a:r>
+              <a:rPr lang="en-US" sz="2400" i="1" dirty="0" err="1" smtClean="0"/>
+              <a:t>init</a:t>
+            </a:r>
+            <a:r>
+              <a:rPr lang="en-US" sz="2400" i="1" dirty="0" smtClean="0"/>
+              <a:t> --type java-application</a:t>
+            </a:r>
+          </a:p>
+          <a:p>
+            <a:r>
+              <a:rPr lang="en-US" sz="2400" dirty="0" smtClean="0"/>
+              <a:t>Import project into your IDE</a:t>
+            </a:r>
+          </a:p>
+          <a:p>
+            <a:r>
+              <a:rPr lang="en-US" sz="2400" dirty="0" smtClean="0"/>
+              <a:t>Review </a:t>
+            </a:r>
+            <a:r>
+              <a:rPr lang="en-US" sz="2400" i="1" dirty="0" err="1" smtClean="0"/>
+              <a:t>build.gradle</a:t>
+            </a:r>
+            <a:r>
+              <a:rPr lang="en-US" sz="2400" dirty="0" smtClean="0"/>
+              <a:t> file</a:t>
+            </a:r>
+          </a:p>
+          <a:p>
+            <a:r>
+              <a:rPr lang="en-US" sz="2400" dirty="0" smtClean="0"/>
+              <a:t>Write </a:t>
+            </a:r>
+            <a:r>
+              <a:rPr lang="pl-PL" sz="2400" dirty="0" err="1" smtClean="0"/>
+              <a:t>custom</a:t>
+            </a:r>
+            <a:r>
+              <a:rPr lang="pl-PL" sz="2400" dirty="0" smtClean="0"/>
+              <a:t> </a:t>
+            </a:r>
+            <a:r>
+              <a:rPr lang="en-US" sz="2400" dirty="0" smtClean="0"/>
+              <a:t>task</a:t>
+            </a:r>
+          </a:p>
+          <a:p>
+            <a:r>
+              <a:rPr lang="en-US" sz="2400" dirty="0" smtClean="0"/>
+              <a:t>Display all available tasks</a:t>
+            </a:r>
+          </a:p>
+          <a:p>
+            <a:r>
+              <a:rPr lang="en-US" sz="2400" dirty="0" smtClean="0"/>
+              <a:t>Migrate your </a:t>
+            </a:r>
+            <a:r>
+              <a:rPr lang="pl-PL" sz="2400" dirty="0" smtClean="0"/>
+              <a:t>M</a:t>
+            </a:r>
+            <a:r>
+              <a:rPr lang="en-US" sz="2400" dirty="0" err="1" smtClean="0"/>
+              <a:t>aven</a:t>
+            </a:r>
+            <a:r>
+              <a:rPr lang="en-US" sz="2400" dirty="0" smtClean="0"/>
+              <a:t> project into </a:t>
+            </a:r>
+            <a:r>
+              <a:rPr lang="en-US" sz="2400" dirty="0" err="1" smtClean="0"/>
+              <a:t>Gradle</a:t>
+            </a:r>
+            <a:endParaRPr lang="en-US" sz="2400" dirty="0" smtClean="0"/>
+          </a:p>
+          <a:p>
+            <a:r>
+              <a:rPr lang="en-US" sz="2400" dirty="0" smtClean="0"/>
+              <a:t>Run it!</a:t>
+            </a:r>
+          </a:p>
+        </p:txBody>
+      </p:sp>
+      <p:sp>
+        <p:nvSpPr>
+          <p:cNvPr id="3" name="Symbol zastępczy tekstu 2"/>
+          <p:cNvSpPr>
+            <a:spLocks noGrp="1"/>
+          </p:cNvSpPr>
+          <p:nvPr>
+            <p:ph type="body" sz="quarter" idx="10"/>
+          </p:nvPr>
+        </p:nvSpPr>
+        <p:spPr/>
+        <p:txBody>
+          <a:bodyPr/>
+          <a:lstStyle/>
+          <a:p>
+            <a:r>
+              <a:rPr lang="en-US" dirty="0" err="1" smtClean="0"/>
+              <a:t>Gradle</a:t>
+            </a:r>
+            <a:r>
+              <a:rPr lang="en-US" dirty="0" smtClean="0"/>
+              <a:t> Exercise</a:t>
+            </a:r>
+            <a:endParaRPr lang="en-US" dirty="0"/>
+          </a:p>
+        </p:txBody>
+      </p:sp>
+    </p:spTree>
+    <p:extLst>
+      <p:ext uri="{BB962C8B-B14F-4D97-AF65-F5344CB8AC3E}">
+        <p14:creationId xmlns:p14="http://schemas.microsoft.com/office/powerpoint/2010/main" val="288442109"/>
+      </p:ext>
+    </p:extLst>
+  </p:cSld>
+  <p:clrMapOvr>
+    <a:masterClrMapping/>
+  </p:clrMapOvr>
+  <p:timing>
+    <p:tnLst>
+      <p:par>
+        <p:cTn id="1" dur="indefinite" restart="never" nodeType="tmRoot"/>
+      </p:par>
+    </p:tnLst>
+  </p:timing>
+</p:sld>
+</file>
+
+<file path=ppt/slides/slide11.xml><?xml version="1.0" encoding="utf-8"?>
+<p:sld xmlns:a="http://schemas.openxmlformats.org/drawingml/2006/main" xmlns:r="http://schemas.openxmlformats.org/officeDocument/2006/relationships" xmlns:p="http://schemas.openxmlformats.org/presentationml/2006/main">
+  <p:cSld>
+    <p:spTree>
+      <p:nvGrpSpPr>
+        <p:cNvPr id="1" name=""/>
+        <p:cNvGrpSpPr/>
+        <p:nvPr/>
+      </p:nvGrpSpPr>
+      <p:grpSpPr>
+        <a:xfrm>
+          <a:off x="0" y="0"/>
+          <a:ext cx="0" cy="0"/>
+          <a:chOff x="0" y="0"/>
+          <a:chExt cx="0" cy="0"/>
+        </a:xfrm>
+      </p:grpSpPr>
+      <p:sp>
+        <p:nvSpPr>
+          <p:cNvPr id="2" name="Symbol zastępczy zawartości 1"/>
+          <p:cNvSpPr>
+            <a:spLocks noGrp="1"/>
+          </p:cNvSpPr>
+          <p:nvPr>
+            <p:ph idx="1"/>
+          </p:nvPr>
+        </p:nvSpPr>
+        <p:spPr/>
+        <p:txBody>
+          <a:bodyPr>
+            <a:normAutofit/>
+          </a:bodyPr>
+          <a:lstStyle/>
+          <a:p>
+            <a:r>
+              <a:rPr lang="en-US" dirty="0"/>
+              <a:t>Merging all </a:t>
+            </a:r>
+            <a:r>
+              <a:rPr lang="en-US" dirty="0" smtClean="0"/>
+              <a:t>developer </a:t>
+            </a:r>
+            <a:r>
+              <a:rPr lang="en-US" dirty="0"/>
+              <a:t>working copies with a shared mainline several times a day</a:t>
+            </a:r>
+          </a:p>
+          <a:p>
+            <a:r>
+              <a:rPr lang="en-US" dirty="0" smtClean="0"/>
+              <a:t>Repository </a:t>
+            </a:r>
+            <a:r>
+              <a:rPr lang="en-US" dirty="0"/>
+              <a:t>stability checks</a:t>
+            </a:r>
+          </a:p>
+          <a:p>
+            <a:r>
+              <a:rPr lang="en-US" dirty="0"/>
+              <a:t>Regular </a:t>
+            </a:r>
+            <a:r>
+              <a:rPr lang="en-US" dirty="0" smtClean="0"/>
+              <a:t>releases</a:t>
+            </a:r>
+            <a:endParaRPr lang="en-US" dirty="0"/>
+          </a:p>
+          <a:p>
+            <a:r>
+              <a:rPr lang="en-US" dirty="0"/>
+              <a:t>Reduce of costs</a:t>
+            </a:r>
+          </a:p>
+          <a:p>
+            <a:r>
+              <a:rPr lang="en-US" dirty="0"/>
+              <a:t>Early error/bug </a:t>
+            </a:r>
+            <a:r>
+              <a:rPr lang="en-US" dirty="0" smtClean="0"/>
+              <a:t>detection</a:t>
+            </a:r>
+            <a:endParaRPr lang="en-US" dirty="0"/>
+          </a:p>
+        </p:txBody>
+      </p:sp>
+      <p:sp>
+        <p:nvSpPr>
+          <p:cNvPr id="3" name="Symbol zastępczy tekstu 2"/>
+          <p:cNvSpPr>
+            <a:spLocks noGrp="1"/>
+          </p:cNvSpPr>
+          <p:nvPr>
+            <p:ph type="body" sz="quarter" idx="10"/>
+          </p:nvPr>
+        </p:nvSpPr>
+        <p:spPr/>
+        <p:txBody>
+          <a:bodyPr/>
+          <a:lstStyle/>
+          <a:p>
+            <a:r>
+              <a:rPr lang="en-US" dirty="0" smtClean="0"/>
+              <a:t>Continuous Integration</a:t>
+            </a:r>
+            <a:endParaRPr lang="en-US" dirty="0"/>
+          </a:p>
+        </p:txBody>
+      </p:sp>
+      <p:pic>
+        <p:nvPicPr>
+          <p:cNvPr id="4" name="Obraz 3"/>
+          <p:cNvPicPr>
+            <a:picLocks noChangeAspect="1"/>
+          </p:cNvPicPr>
+          <p:nvPr/>
+        </p:nvPicPr>
+        <p:blipFill>
+          <a:blip r:embed="rId2"/>
+          <a:stretch>
+            <a:fillRect/>
+          </a:stretch>
+        </p:blipFill>
+        <p:spPr>
+          <a:xfrm>
+            <a:off x="365759" y="2954156"/>
+            <a:ext cx="6250439" cy="2802210"/>
+          </a:xfrm>
+          <a:prstGeom prst="rect">
+            <a:avLst/>
+          </a:prstGeom>
+        </p:spPr>
+      </p:pic>
+      <p:pic>
+        <p:nvPicPr>
+          <p:cNvPr id="5" name="Obraz 4"/>
+          <p:cNvPicPr>
+            <a:picLocks noChangeAspect="1"/>
+          </p:cNvPicPr>
+          <p:nvPr/>
+        </p:nvPicPr>
+        <p:blipFill>
+          <a:blip r:embed="rId3"/>
+          <a:stretch>
+            <a:fillRect/>
+          </a:stretch>
+        </p:blipFill>
+        <p:spPr>
+          <a:xfrm>
+            <a:off x="6616198" y="4640082"/>
+            <a:ext cx="2351677" cy="1429792"/>
+          </a:xfrm>
+          <a:prstGeom prst="rect">
+            <a:avLst/>
+          </a:prstGeom>
+        </p:spPr>
+      </p:pic>
+      <p:pic>
+        <p:nvPicPr>
+          <p:cNvPr id="6" name="Obraz 5"/>
+          <p:cNvPicPr>
+            <a:picLocks noChangeAspect="1"/>
+          </p:cNvPicPr>
+          <p:nvPr/>
+        </p:nvPicPr>
+        <p:blipFill>
+          <a:blip r:embed="rId4"/>
+          <a:stretch>
+            <a:fillRect/>
+          </a:stretch>
+        </p:blipFill>
+        <p:spPr>
+          <a:xfrm>
+            <a:off x="4511583" y="1988878"/>
+            <a:ext cx="2890703" cy="516197"/>
+          </a:xfrm>
+          <a:prstGeom prst="rect">
+            <a:avLst/>
+          </a:prstGeom>
+        </p:spPr>
+      </p:pic>
+    </p:spTree>
+    <p:extLst>
+      <p:ext uri="{BB962C8B-B14F-4D97-AF65-F5344CB8AC3E}">
+        <p14:creationId xmlns:p14="http://schemas.microsoft.com/office/powerpoint/2010/main" val="1555242190"/>
+      </p:ext>
+    </p:extLst>
+  </p:cSld>
+  <p:clrMapOvr>
+    <a:masterClrMapping/>
+  </p:clrMapOvr>
+  <p:timing>
+    <p:tnLst>
+      <p:par>
+        <p:cTn id="1" dur="indefinite" restart="never" nodeType="tmRoot"/>
+      </p:par>
+    </p:tnLst>
+  </p:timing>
+</p:sld>
+</file>
+
+<file path=ppt/slides/slide12.xml><?xml version="1.0" encoding="utf-8"?>
+<p:sld xmlns:a="http://schemas.openxmlformats.org/drawingml/2006/main" xmlns:r="http://schemas.openxmlformats.org/officeDocument/2006/relationships" xmlns:p="http://schemas.openxmlformats.org/presentationml/2006/main">
+  <p:cSld>
+    <p:spTree>
+      <p:nvGrpSpPr>
+        <p:cNvPr id="1" name=""/>
+        <p:cNvGrpSpPr/>
+        <p:nvPr/>
+      </p:nvGrpSpPr>
+      <p:grpSpPr>
+        <a:xfrm>
+          <a:off x="0" y="0"/>
+          <a:ext cx="0" cy="0"/>
+          <a:chOff x="0" y="0"/>
+          <a:chExt cx="0" cy="0"/>
+        </a:xfrm>
+      </p:grpSpPr>
+      <p:sp>
+        <p:nvSpPr>
+          <p:cNvPr id="2" name="Symbol zastępczy zawartości 1"/>
+          <p:cNvSpPr>
+            <a:spLocks noGrp="1"/>
+          </p:cNvSpPr>
+          <p:nvPr>
+            <p:ph idx="1"/>
+          </p:nvPr>
+        </p:nvSpPr>
+        <p:spPr/>
+        <p:txBody>
+          <a:bodyPr/>
+          <a:lstStyle/>
+          <a:p>
+            <a:r>
+              <a:rPr lang="en-US" dirty="0" smtClean="0"/>
+              <a:t>Use </a:t>
+            </a:r>
+            <a:r>
+              <a:rPr lang="en-US" dirty="0" err="1" smtClean="0"/>
+              <a:t>Github</a:t>
+            </a:r>
+            <a:r>
+              <a:rPr lang="en-US" dirty="0" smtClean="0"/>
+              <a:t> account and login: </a:t>
+            </a:r>
+            <a:r>
+              <a:rPr lang="en-US" dirty="0" smtClean="0">
+                <a:hlinkClick r:id="rId2"/>
+              </a:rPr>
+              <a:t>https://travis-ci.com</a:t>
+            </a:r>
+            <a:r>
+              <a:rPr lang="en-US" dirty="0" smtClean="0"/>
+              <a:t> </a:t>
+            </a:r>
+          </a:p>
+          <a:p>
+            <a:r>
+              <a:rPr lang="en-US" dirty="0" smtClean="0"/>
+              <a:t>Use synchronize but</a:t>
+            </a:r>
+            <a:r>
+              <a:rPr lang="pl-PL" dirty="0" smtClean="0"/>
+              <a:t>t</a:t>
+            </a:r>
+            <a:r>
+              <a:rPr lang="en-US" dirty="0" smtClean="0"/>
+              <a:t>on to download your repositories from GitHub</a:t>
+            </a:r>
+          </a:p>
+          <a:p>
+            <a:r>
+              <a:rPr lang="en-US" dirty="0" smtClean="0"/>
+              <a:t>Activate repository for which you would like to start </a:t>
+            </a:r>
+            <a:r>
+              <a:rPr lang="en-US" i="1" dirty="0" smtClean="0"/>
+              <a:t>continuous integration</a:t>
+            </a:r>
+            <a:endParaRPr lang="en-US" dirty="0" smtClean="0"/>
+          </a:p>
+          <a:p>
+            <a:r>
+              <a:rPr lang="en-US" dirty="0" smtClean="0"/>
+              <a:t>Add </a:t>
+            </a:r>
+            <a:r>
+              <a:rPr lang="en-US" i="1" dirty="0" smtClean="0"/>
+              <a:t>.</a:t>
+            </a:r>
+            <a:r>
+              <a:rPr lang="en-US" i="1" dirty="0" err="1" smtClean="0"/>
+              <a:t>travis.yml</a:t>
+            </a:r>
+            <a:r>
+              <a:rPr lang="en-US" i="1" dirty="0" smtClean="0"/>
+              <a:t> </a:t>
+            </a:r>
+            <a:r>
+              <a:rPr lang="en-US" dirty="0" smtClean="0"/>
+              <a:t>file to your repository</a:t>
+            </a:r>
+          </a:p>
+          <a:p>
+            <a:r>
+              <a:rPr lang="en-US" dirty="0" smtClean="0"/>
+              <a:t>Run Travis CI for your project</a:t>
+            </a:r>
+            <a:endParaRPr lang="en-US" dirty="0"/>
+          </a:p>
+        </p:txBody>
+      </p:sp>
+      <p:sp>
+        <p:nvSpPr>
+          <p:cNvPr id="3" name="Symbol zastępczy tekstu 2"/>
+          <p:cNvSpPr>
+            <a:spLocks noGrp="1"/>
+          </p:cNvSpPr>
+          <p:nvPr>
+            <p:ph type="body" sz="quarter" idx="10"/>
+          </p:nvPr>
+        </p:nvSpPr>
+        <p:spPr/>
+        <p:txBody>
+          <a:bodyPr/>
+          <a:lstStyle/>
+          <a:p>
+            <a:r>
+              <a:rPr lang="en-US" dirty="0" smtClean="0"/>
+              <a:t>Continuous Integration Exercise</a:t>
+            </a:r>
+            <a:endParaRPr lang="en-US" dirty="0"/>
+          </a:p>
+        </p:txBody>
+      </p:sp>
+      <p:pic>
+        <p:nvPicPr>
+          <p:cNvPr id="5" name="Obraz 4"/>
+          <p:cNvPicPr>
+            <a:picLocks noChangeAspect="1"/>
+          </p:cNvPicPr>
+          <p:nvPr/>
+        </p:nvPicPr>
+        <p:blipFill>
+          <a:blip r:embed="rId3"/>
+          <a:stretch>
+            <a:fillRect/>
+          </a:stretch>
+        </p:blipFill>
+        <p:spPr>
+          <a:xfrm>
+            <a:off x="0" y="2880422"/>
+            <a:ext cx="3392358" cy="2983350"/>
+          </a:xfrm>
+          <a:prstGeom prst="rect">
+            <a:avLst/>
+          </a:prstGeom>
+        </p:spPr>
+      </p:pic>
+      <p:pic>
+        <p:nvPicPr>
+          <p:cNvPr id="6" name="Obraz 5"/>
+          <p:cNvPicPr>
+            <a:picLocks noChangeAspect="1"/>
+          </p:cNvPicPr>
+          <p:nvPr/>
+        </p:nvPicPr>
+        <p:blipFill>
+          <a:blip r:embed="rId4"/>
+          <a:stretch>
+            <a:fillRect/>
+          </a:stretch>
+        </p:blipFill>
+        <p:spPr>
+          <a:xfrm>
+            <a:off x="4433766" y="2153093"/>
+            <a:ext cx="3697376" cy="1870268"/>
+          </a:xfrm>
+          <a:prstGeom prst="rect">
+            <a:avLst/>
+          </a:prstGeom>
+        </p:spPr>
+      </p:pic>
+      <p:pic>
+        <p:nvPicPr>
+          <p:cNvPr id="7" name="Obraz 6"/>
+          <p:cNvPicPr>
+            <a:picLocks noChangeAspect="1"/>
+          </p:cNvPicPr>
+          <p:nvPr/>
+        </p:nvPicPr>
+        <p:blipFill>
+          <a:blip r:embed="rId5"/>
+          <a:stretch>
+            <a:fillRect/>
+          </a:stretch>
+        </p:blipFill>
+        <p:spPr>
+          <a:xfrm>
+            <a:off x="3392358" y="4023361"/>
+            <a:ext cx="5598508" cy="1250353"/>
+          </a:xfrm>
+          <a:prstGeom prst="rect">
+            <a:avLst/>
+          </a:prstGeom>
+        </p:spPr>
+      </p:pic>
+      <p:pic>
+        <p:nvPicPr>
+          <p:cNvPr id="8" name="Obraz 7"/>
+          <p:cNvPicPr>
+            <a:picLocks noChangeAspect="1"/>
+          </p:cNvPicPr>
+          <p:nvPr/>
+        </p:nvPicPr>
+        <p:blipFill>
+          <a:blip r:embed="rId6"/>
+          <a:stretch>
+            <a:fillRect/>
+          </a:stretch>
+        </p:blipFill>
+        <p:spPr>
+          <a:xfrm>
+            <a:off x="4674147" y="5273714"/>
+            <a:ext cx="4469853" cy="1584286"/>
+          </a:xfrm>
+          <a:prstGeom prst="rect">
+            <a:avLst/>
+          </a:prstGeom>
+        </p:spPr>
+      </p:pic>
+    </p:spTree>
+    <p:extLst>
+      <p:ext uri="{BB962C8B-B14F-4D97-AF65-F5344CB8AC3E}">
+        <p14:creationId xmlns:p14="http://schemas.microsoft.com/office/powerpoint/2010/main" val="2191643997"/>
+      </p:ext>
+    </p:extLst>
+  </p:cSld>
+  <p:clrMapOvr>
+    <a:masterClrMapping/>
+  </p:clrMapOvr>
+  <p:timing>
+    <p:tnLst>
+      <p:par>
+        <p:cTn id="1" dur="indefinite" restart="never" nodeType="tmRoot"/>
+      </p:par>
+    </p:tnLst>
+  </p:timing>
+</p:sld>
+</file>
+
+<file path=ppt/slides/slide13.xml><?xml version="1.0" encoding="utf-8"?>
+<p:sld xmlns:a="http://schemas.openxmlformats.org/drawingml/2006/main" xmlns:r="http://schemas.openxmlformats.org/officeDocument/2006/relationships" xmlns:p="http://schemas.openxmlformats.org/presentationml/2006/main">
+  <p:cSld>
+    <p:spTree>
+      <p:nvGrpSpPr>
+        <p:cNvPr id="1" name=""/>
+        <p:cNvGrpSpPr/>
+        <p:nvPr/>
+      </p:nvGrpSpPr>
+      <p:grpSpPr>
+        <a:xfrm>
+          <a:off x="0" y="0"/>
+          <a:ext cx="0" cy="0"/>
+          <a:chOff x="0" y="0"/>
+          <a:chExt cx="0" cy="0"/>
+        </a:xfrm>
+      </p:grpSpPr>
+      <p:sp>
+        <p:nvSpPr>
+          <p:cNvPr id="2" name="Symbol zastępczy zawartości 1"/>
+          <p:cNvSpPr>
+            <a:spLocks noGrp="1"/>
+          </p:cNvSpPr>
+          <p:nvPr>
+            <p:ph idx="1"/>
+          </p:nvPr>
+        </p:nvSpPr>
+        <p:spPr/>
+        <p:txBody>
+          <a:bodyPr/>
+          <a:lstStyle/>
+          <a:p>
+            <a:r>
+              <a:rPr lang="en-US" dirty="0" smtClean="0"/>
+              <a:t>Programming Notes for Professionals books</a:t>
+            </a:r>
+          </a:p>
+          <a:p>
+            <a:pPr lvl="1"/>
+            <a:r>
+              <a:rPr lang="en-US" dirty="0" smtClean="0">
+                <a:hlinkClick r:id="rId2"/>
+              </a:rPr>
+              <a:t>http://goalkicker.com</a:t>
+            </a:r>
+            <a:r>
+              <a:rPr lang="en-US" dirty="0" smtClean="0"/>
+              <a:t> </a:t>
+            </a:r>
+          </a:p>
+          <a:p>
+            <a:r>
+              <a:rPr lang="en-US" dirty="0" smtClean="0"/>
+              <a:t>Cheat sheets</a:t>
+            </a:r>
+          </a:p>
+          <a:p>
+            <a:pPr lvl="1"/>
+            <a:r>
+              <a:rPr lang="en-US" dirty="0" smtClean="0">
+                <a:hlinkClick r:id="rId3"/>
+              </a:rPr>
+              <a:t>https://zeroturnaround.com/rebellabs/reports/</a:t>
+            </a:r>
+            <a:r>
+              <a:rPr lang="en-US" dirty="0" smtClean="0"/>
+              <a:t> </a:t>
+            </a:r>
+            <a:endParaRPr lang="en-US" dirty="0"/>
+          </a:p>
+        </p:txBody>
+      </p:sp>
+      <p:sp>
+        <p:nvSpPr>
+          <p:cNvPr id="3" name="Symbol zastępczy tekstu 2"/>
+          <p:cNvSpPr>
+            <a:spLocks noGrp="1"/>
+          </p:cNvSpPr>
+          <p:nvPr>
+            <p:ph type="body" sz="quarter" idx="10"/>
+          </p:nvPr>
+        </p:nvSpPr>
+        <p:spPr/>
+        <p:txBody>
+          <a:bodyPr/>
+          <a:lstStyle/>
+          <a:p>
+            <a:r>
+              <a:rPr lang="pl-PL" dirty="0" err="1" smtClean="0"/>
+              <a:t>Free</a:t>
+            </a:r>
+            <a:r>
+              <a:rPr lang="pl-PL" dirty="0" smtClean="0"/>
+              <a:t> </a:t>
+            </a:r>
+            <a:r>
+              <a:rPr lang="pl-PL" dirty="0" err="1" smtClean="0"/>
+              <a:t>ebooks</a:t>
+            </a:r>
+            <a:endParaRPr lang="pl-PL" dirty="0"/>
+          </a:p>
+        </p:txBody>
+      </p:sp>
+    </p:spTree>
+    <p:extLst>
+      <p:ext uri="{BB962C8B-B14F-4D97-AF65-F5344CB8AC3E}">
+        <p14:creationId xmlns:p14="http://schemas.microsoft.com/office/powerpoint/2010/main" val="3879307090"/>
+      </p:ext>
+    </p:extLst>
+  </p:cSld>
+  <p:clrMapOvr>
+    <a:masterClrMapping/>
+  </p:clrMapOvr>
+  <p:timing>
+    <p:tnLst>
+      <p:par>
+        <p:cTn id="1" dur="indefinite" restart="never" nodeType="tmRoot"/>
+      </p:par>
+    </p:tnLst>
+  </p:timing>
+</p:sld>
+</file>
+
+<file path=ppt/slides/slide2.xml><?xml version="1.0" encoding="utf-8"?>
+<p:sld xmlns:a="http://schemas.openxmlformats.org/drawingml/2006/main" xmlns:r="http://schemas.openxmlformats.org/officeDocument/2006/relationships" xmlns:p="http://schemas.openxmlformats.org/presentationml/2006/main">
+  <p:cSld>
+    <p:spTree>
+      <p:nvGrpSpPr>
+        <p:cNvPr id="1" name=""/>
+        <p:cNvGrpSpPr/>
+        <p:nvPr/>
+      </p:nvGrpSpPr>
+      <p:grpSpPr>
+        <a:xfrm>
+          <a:off x="0" y="0"/>
+          <a:ext cx="0" cy="0"/>
+          <a:chOff x="0" y="0"/>
+          <a:chExt cx="0" cy="0"/>
+        </a:xfrm>
+      </p:grpSpPr>
+      <p:sp>
+        <p:nvSpPr>
           <p:cNvPr id="2" name="Symbol zastępczy zawartości 1"/>
           <p:cNvSpPr>
             <a:spLocks noGrp="1"/>
@@ -5736,7 +6727,7 @@
 </p:sld>
 </file>
 
-<file path=ppt/slides/slide2.xml><?xml version="1.0" encoding="utf-8"?>
+<file path=ppt/slides/slide3.xml><?xml version="1.0" encoding="utf-8"?>
 <p:sld xmlns:a="http://schemas.openxmlformats.org/drawingml/2006/main" xmlns:r="http://schemas.openxmlformats.org/officeDocument/2006/relationships" xmlns:p="http://schemas.openxmlformats.org/presentationml/2006/main">
   <p:cSld>
     <p:spTree>
@@ -5941,7 +6932,7 @@
 </p:sld>
 </file>
 
-<file path=ppt/slides/slide3.xml><?xml version="1.0" encoding="utf-8"?>
+<file path=ppt/slides/slide4.xml><?xml version="1.0" encoding="utf-8"?>
 <p:sld xmlns:a="http://schemas.openxmlformats.org/drawingml/2006/main" xmlns:r="http://schemas.openxmlformats.org/officeDocument/2006/relationships" xmlns:p="http://schemas.openxmlformats.org/presentationml/2006/main">
   <p:cSld>
     <p:spTree>
@@ -6420,264 +7411,6 @@
     <p:extLst>
       <p:ext uri="{BB962C8B-B14F-4D97-AF65-F5344CB8AC3E}">
         <p14:creationId xmlns:p14="http://schemas.microsoft.com/office/powerpoint/2010/main" val="3141438139"/>
-      </p:ext>
-    </p:extLst>
-  </p:cSld>
-  <p:clrMapOvr>
-    <a:masterClrMapping/>
-  </p:clrMapOvr>
-  <p:timing>
-    <p:tnLst>
-      <p:par>
-        <p:cTn id="1" dur="indefinite" restart="never" nodeType="tmRoot"/>
-      </p:par>
-    </p:tnLst>
-  </p:timing>
-</p:sld>
-</file>
-
-<file path=ppt/slides/slide4.xml><?xml version="1.0" encoding="utf-8"?>
-<p:sld xmlns:a="http://schemas.openxmlformats.org/drawingml/2006/main" xmlns:r="http://schemas.openxmlformats.org/officeDocument/2006/relationships" xmlns:p="http://schemas.openxmlformats.org/presentationml/2006/main">
-  <p:cSld>
-    <p:spTree>
-      <p:nvGrpSpPr>
-        <p:cNvPr id="1" name=""/>
-        <p:cNvGrpSpPr/>
-        <p:nvPr/>
-      </p:nvGrpSpPr>
-      <p:grpSpPr>
-        <a:xfrm>
-          <a:off x="0" y="0"/>
-          <a:ext cx="0" cy="0"/>
-          <a:chOff x="0" y="0"/>
-          <a:chExt cx="0" cy="0"/>
-        </a:xfrm>
-      </p:grpSpPr>
-      <p:sp>
-        <p:nvSpPr>
-          <p:cNvPr id="2" name="Symbol zastępczy zawartości 1"/>
-          <p:cNvSpPr>
-            <a:spLocks noGrp="1"/>
-          </p:cNvSpPr>
-          <p:nvPr>
-            <p:ph idx="1"/>
-          </p:nvPr>
-        </p:nvSpPr>
-        <p:spPr/>
-        <p:txBody>
-          <a:bodyPr>
-            <a:normAutofit fontScale="92500" lnSpcReduction="10000"/>
-          </a:bodyPr>
-          <a:lstStyle/>
-          <a:p>
-            <a:r>
-              <a:rPr lang="en-US" b="0" dirty="0" smtClean="0"/>
-              <a:t>3 built-in build </a:t>
-            </a:r>
-            <a:r>
-              <a:rPr lang="en-US" dirty="0" smtClean="0"/>
-              <a:t>lifecycles</a:t>
-            </a:r>
-            <a:r>
-              <a:rPr lang="en-US" b="0" dirty="0" smtClean="0"/>
-              <a:t>: </a:t>
-            </a:r>
-          </a:p>
-          <a:p>
-            <a:pPr lvl="1"/>
-            <a:r>
-              <a:rPr lang="en-US" dirty="0" smtClean="0"/>
-              <a:t>default</a:t>
-            </a:r>
-            <a:r>
-              <a:rPr lang="en-US" b="0" dirty="0" smtClean="0"/>
-              <a:t> - project deployment</a:t>
-            </a:r>
-          </a:p>
-          <a:p>
-            <a:pPr lvl="1"/>
-            <a:r>
-              <a:rPr lang="en-US" dirty="0" smtClean="0"/>
-              <a:t>clean</a:t>
-            </a:r>
-            <a:r>
-              <a:rPr lang="en-US" b="0" dirty="0" smtClean="0"/>
-              <a:t> - project cleaning</a:t>
-            </a:r>
-          </a:p>
-          <a:p>
-            <a:pPr lvl="1"/>
-            <a:r>
-              <a:rPr lang="en-US" dirty="0" smtClean="0"/>
-              <a:t>site</a:t>
-            </a:r>
-            <a:r>
-              <a:rPr lang="en-US" b="0" dirty="0" smtClean="0"/>
-              <a:t> - creation of project's documentation</a:t>
-            </a:r>
-          </a:p>
-          <a:p>
-            <a:r>
-              <a:rPr lang="en-US" b="0" dirty="0" smtClean="0"/>
-              <a:t>Each lifecycles is defined by a different list of </a:t>
-            </a:r>
-            <a:r>
-              <a:rPr lang="en-US" dirty="0" smtClean="0"/>
-              <a:t>phases</a:t>
-            </a:r>
-            <a:r>
-              <a:rPr lang="en-US" b="0" dirty="0" smtClean="0"/>
-              <a:t>, wherein a phase represents a stage in the lifecycle.</a:t>
-            </a:r>
-          </a:p>
-          <a:p>
-            <a:r>
-              <a:rPr lang="en-US" b="0" dirty="0" smtClean="0"/>
-              <a:t>For example, the default lifecycle comprises of the following phases:</a:t>
-            </a:r>
-          </a:p>
-          <a:p>
-            <a:pPr lvl="1"/>
-            <a:r>
-              <a:rPr lang="en-US" dirty="0" smtClean="0"/>
-              <a:t>validate</a:t>
-            </a:r>
-            <a:r>
-              <a:rPr lang="en-US" b="0" dirty="0" smtClean="0"/>
-              <a:t> - check project correctness</a:t>
-            </a:r>
-          </a:p>
-          <a:p>
-            <a:pPr lvl="1"/>
-            <a:r>
-              <a:rPr lang="en-US" dirty="0" smtClean="0"/>
-              <a:t>compile</a:t>
-            </a:r>
-            <a:endParaRPr lang="en-US" b="0" dirty="0" smtClean="0"/>
-          </a:p>
-          <a:p>
-            <a:pPr lvl="1"/>
-            <a:r>
-              <a:rPr lang="en-US" dirty="0" smtClean="0"/>
-              <a:t>test</a:t>
-            </a:r>
-            <a:r>
-              <a:rPr lang="en-US" b="0" dirty="0" smtClean="0"/>
-              <a:t> - test the compiled source code using a unit testing </a:t>
-            </a:r>
-          </a:p>
-          <a:p>
-            <a:pPr lvl="1"/>
-            <a:r>
-              <a:rPr lang="en-US" dirty="0" smtClean="0"/>
-              <a:t>package</a:t>
-            </a:r>
-            <a:r>
-              <a:rPr lang="en-US" b="0" dirty="0" smtClean="0"/>
-              <a:t> - take the compiled code and package into distributable format (JAR/WAR)</a:t>
-            </a:r>
-          </a:p>
-          <a:p>
-            <a:pPr lvl="1"/>
-            <a:r>
-              <a:rPr lang="en-US" dirty="0" smtClean="0"/>
-              <a:t>verify</a:t>
-            </a:r>
-            <a:r>
-              <a:rPr lang="en-US" b="0" dirty="0" smtClean="0"/>
-              <a:t> - run any checks on results of integration tests to ensure quality criteria are met</a:t>
-            </a:r>
-          </a:p>
-          <a:p>
-            <a:pPr lvl="1"/>
-            <a:r>
-              <a:rPr lang="en-US" dirty="0" smtClean="0"/>
-              <a:t>install</a:t>
-            </a:r>
-            <a:r>
-              <a:rPr lang="en-US" b="0" dirty="0" smtClean="0"/>
-              <a:t> - install the package into the local repository</a:t>
-            </a:r>
-          </a:p>
-          <a:p>
-            <a:pPr lvl="1"/>
-            <a:r>
-              <a:rPr lang="en-US" dirty="0" smtClean="0"/>
-              <a:t>deploy</a:t>
-            </a:r>
-            <a:r>
-              <a:rPr lang="en-US" b="0" dirty="0" smtClean="0"/>
-              <a:t> - copies the final package to the remote repository for sharing with other developers and projects.</a:t>
-            </a:r>
-          </a:p>
-          <a:p>
-            <a:r>
-              <a:rPr lang="en-US" dirty="0" smtClean="0"/>
-              <a:t>Phase</a:t>
-            </a:r>
-            <a:r>
-              <a:rPr lang="en-US" b="0" dirty="0" smtClean="0"/>
-              <a:t> is made up of plugin </a:t>
-            </a:r>
-            <a:r>
-              <a:rPr lang="en-US" dirty="0" smtClean="0"/>
-              <a:t>goals</a:t>
-            </a:r>
-            <a:endParaRPr lang="en-US" dirty="0"/>
-          </a:p>
-        </p:txBody>
-      </p:sp>
-      <p:sp>
-        <p:nvSpPr>
-          <p:cNvPr id="3" name="Symbol zastępczy tekstu 2"/>
-          <p:cNvSpPr>
-            <a:spLocks noGrp="1"/>
-          </p:cNvSpPr>
-          <p:nvPr>
-            <p:ph type="body" sz="quarter" idx="10"/>
-          </p:nvPr>
-        </p:nvSpPr>
-        <p:spPr/>
-        <p:txBody>
-          <a:bodyPr/>
-          <a:lstStyle/>
-          <a:p>
-            <a:r>
-              <a:rPr lang="pl-PL" dirty="0" err="1" smtClean="0"/>
-              <a:t>Maven</a:t>
-            </a:r>
-            <a:r>
-              <a:rPr lang="pl-PL" dirty="0"/>
-              <a:t> </a:t>
-            </a:r>
-            <a:r>
-              <a:rPr lang="pl-PL" dirty="0" err="1" smtClean="0"/>
-              <a:t>lifecycles</a:t>
-            </a:r>
-            <a:r>
-              <a:rPr lang="pl-PL" dirty="0" smtClean="0"/>
-              <a:t>, </a:t>
-            </a:r>
-            <a:r>
-              <a:rPr lang="pl-PL" dirty="0" err="1" smtClean="0"/>
-              <a:t>phases</a:t>
-            </a:r>
-            <a:r>
-              <a:rPr lang="pl-PL" dirty="0" smtClean="0"/>
-              <a:t>, </a:t>
-            </a:r>
-            <a:r>
-              <a:rPr lang="pl-PL" dirty="0" err="1" smtClean="0"/>
-              <a:t>goals</a:t>
-            </a:r>
-            <a:endParaRPr lang="pl-PL" dirty="0"/>
-          </a:p>
-        </p:txBody>
-      </p:sp>
-    </p:spTree>
-    <p:extLst>
-      <p:ext uri="{BB962C8B-B14F-4D97-AF65-F5344CB8AC3E}">
-        <p14:creationId xmlns:p14="http://schemas.microsoft.com/office/powerpoint/2010/main" val="1584857732"/>
       </p:ext>
     </p:extLst>
   </p:cSld>
@@ -6723,111 +7456,165 @@
         </p:nvSpPr>
         <p:spPr/>
         <p:txBody>
-          <a:bodyPr/>
+          <a:bodyPr>
+            <a:normAutofit fontScale="92500" lnSpcReduction="10000"/>
+          </a:bodyPr>
           <a:lstStyle/>
           <a:p>
             <a:r>
+              <a:rPr lang="en-US" b="0" dirty="0" smtClean="0"/>
+              <a:t>3 built-in build </a:t>
+            </a:r>
+            <a:r>
               <a:rPr lang="en-US" dirty="0" smtClean="0"/>
-              <a:t>Download maven package</a:t>
-            </a:r>
-          </a:p>
-          <a:p>
+              <a:t>lifecycles</a:t>
+            </a:r>
+            <a:r>
+              <a:rPr lang="en-US" b="0" dirty="0" smtClean="0"/>
+              <a:t>: </a:t>
+            </a:r>
+          </a:p>
+          <a:p>
+            <a:pPr lvl="1"/>
             <a:r>
               <a:rPr lang="en-US" dirty="0" smtClean="0"/>
-              <a:t>Set environment variable: MAVEN_HOME</a:t>
-            </a:r>
-          </a:p>
-          <a:p>
+              <a:t>default</a:t>
+            </a:r>
+            <a:r>
+              <a:rPr lang="en-US" b="0" dirty="0" smtClean="0"/>
+              <a:t> - project deployment</a:t>
+            </a:r>
+          </a:p>
+          <a:p>
+            <a:pPr lvl="1"/>
             <a:r>
               <a:rPr lang="en-US" dirty="0" smtClean="0"/>
-              <a:t>Using command line or terminal, check your maven version: </a:t>
-            </a:r>
-            <a:r>
-              <a:rPr lang="en-US" i="1" dirty="0" err="1" smtClean="0"/>
-              <a:t>mvn</a:t>
-            </a:r>
-            <a:r>
-              <a:rPr lang="en-US" i="1" dirty="0" smtClean="0"/>
-              <a:t> -v</a:t>
-            </a:r>
+              <a:t>clean</a:t>
+            </a:r>
+            <a:r>
+              <a:rPr lang="en-US" b="0" dirty="0" smtClean="0"/>
+              <a:t> - project cleaning</a:t>
+            </a:r>
+          </a:p>
+          <a:p>
+            <a:pPr lvl="1"/>
             <a:r>
               <a:rPr lang="en-US" dirty="0" smtClean="0"/>
-              <a:t> or </a:t>
-            </a:r>
-            <a:r>
-              <a:rPr lang="en-US" i="1" dirty="0" err="1" smtClean="0"/>
-              <a:t>mvn</a:t>
-            </a:r>
-            <a:r>
-              <a:rPr lang="en-US" i="1" dirty="0" smtClean="0"/>
-              <a:t> --version</a:t>
-            </a:r>
-          </a:p>
-          <a:p>
+              <a:t>site</a:t>
+            </a:r>
+            <a:r>
+              <a:rPr lang="en-US" b="0" dirty="0" smtClean="0"/>
+              <a:t> - creation of project's documentation</a:t>
+            </a:r>
+          </a:p>
+          <a:p>
+            <a:r>
+              <a:rPr lang="en-US" b="0" dirty="0" smtClean="0"/>
+              <a:t>Each lifecycles is defined by a different list of </a:t>
+            </a:r>
             <a:r>
               <a:rPr lang="en-US" dirty="0" smtClean="0"/>
-              <a:t>Generate project with archetype „</a:t>
-            </a:r>
-            <a:r>
-              <a:rPr lang="en-US" dirty="0" err="1" smtClean="0"/>
-              <a:t>quickstart</a:t>
-            </a:r>
+              <a:t>phases</a:t>
+            </a:r>
+            <a:r>
+              <a:rPr lang="en-US" b="0" dirty="0" smtClean="0"/>
+              <a:t>, wherein a phase represents a stage in the lifecycle.</a:t>
+            </a:r>
+          </a:p>
+          <a:p>
+            <a:r>
+              <a:rPr lang="en-US" b="0" dirty="0" smtClean="0"/>
+              <a:t>For example, the default lifecycle comprises of the following phases:</a:t>
+            </a:r>
+          </a:p>
+          <a:p>
+            <a:pPr lvl="1"/>
             <a:r>
               <a:rPr lang="en-US" dirty="0" smtClean="0"/>
-              <a:t>” (default)</a:t>
-            </a:r>
-          </a:p>
-          <a:p>
+              <a:t>validate</a:t>
+            </a:r>
+            <a:r>
+              <a:rPr lang="en-US" b="0" dirty="0" smtClean="0"/>
+              <a:t> - check project correctness</a:t>
+            </a:r>
+          </a:p>
+          <a:p>
+            <a:pPr lvl="1"/>
             <a:r>
               <a:rPr lang="en-US" dirty="0" smtClean="0"/>
-              <a:t>Import project into IDE</a:t>
-            </a:r>
-          </a:p>
-          <a:p>
+              <a:t>compile</a:t>
+            </a:r>
+            <a:endParaRPr lang="en-US" b="0" dirty="0" smtClean="0"/>
+          </a:p>
+          <a:p>
+            <a:pPr lvl="1"/>
             <a:r>
               <a:rPr lang="en-US" dirty="0" smtClean="0"/>
-              <a:t>Review pom.xml</a:t>
-            </a:r>
-          </a:p>
-          <a:p>
+              <a:t>test</a:t>
+            </a:r>
+            <a:r>
+              <a:rPr lang="en-US" b="0" dirty="0" smtClean="0"/>
+              <a:t> - test the compiled source code using a unit testing </a:t>
+            </a:r>
+          </a:p>
+          <a:p>
+            <a:pPr lvl="1"/>
             <a:r>
               <a:rPr lang="en-US" dirty="0" smtClean="0"/>
-              <a:t>Build package using Maven (using command line)</a:t>
-            </a:r>
-          </a:p>
-          <a:p>
+              <a:t>package</a:t>
+            </a:r>
+            <a:r>
+              <a:rPr lang="en-US" b="0" dirty="0" smtClean="0"/>
+              <a:t> - take the compiled code and package into distributable format (JAR/WAR)</a:t>
+            </a:r>
+          </a:p>
+          <a:p>
+            <a:pPr lvl="1"/>
             <a:r>
               <a:rPr lang="en-US" dirty="0" smtClean="0"/>
-              <a:t>Add project </a:t>
-            </a:r>
-            <a:r>
-              <a:rPr lang="en-US" dirty="0" err="1" smtClean="0"/>
-              <a:t>lombok</a:t>
-            </a:r>
+              <a:t>verify</a:t>
+            </a:r>
+            <a:r>
+              <a:rPr lang="en-US" b="0" dirty="0" smtClean="0"/>
+              <a:t> - run any checks on results of integration tests to ensure quality criteria are met</a:t>
+            </a:r>
+          </a:p>
+          <a:p>
+            <a:pPr lvl="1"/>
             <a:r>
               <a:rPr lang="en-US" dirty="0" smtClean="0"/>
-              <a:t> dependency</a:t>
-            </a:r>
-          </a:p>
-          <a:p>
+              <a:t>install</a:t>
+            </a:r>
+            <a:r>
+              <a:rPr lang="en-US" b="0" dirty="0" smtClean="0"/>
+              <a:t> - install the package into the local repository</a:t>
+            </a:r>
+          </a:p>
+          <a:p>
+            <a:pPr lvl="1"/>
             <a:r>
               <a:rPr lang="en-US" dirty="0" smtClean="0"/>
-              <a:t>Create simple Java class with </a:t>
-            </a:r>
-            <a:r>
-              <a:rPr lang="en-US" dirty="0" err="1" smtClean="0"/>
-              <a:t>lombok</a:t>
-            </a:r>
+              <a:t>deploy</a:t>
+            </a:r>
+            <a:r>
+              <a:rPr lang="en-US" b="0" dirty="0" smtClean="0"/>
+              <a:t> - copies the final package to the remote repository for sharing with other developers and projects.</a:t>
+            </a:r>
+          </a:p>
+          <a:p>
             <a:r>
               <a:rPr lang="en-US" dirty="0" smtClean="0"/>
-              <a:t> annotation</a:t>
-            </a:r>
-          </a:p>
-          <a:p>
+              <a:t>Phase</a:t>
+            </a:r>
+            <a:r>
+              <a:rPr lang="en-US" b="0" dirty="0" smtClean="0"/>
+              <a:t> is made up of plugin </a:t>
+            </a:r>
             <a:r>
               <a:rPr lang="en-US" dirty="0" smtClean="0"/>
-              <a:t>Build again using Maven</a:t>
-            </a:r>
+              <a:t>goals</a:t>
+            </a:r>
+            <a:endParaRPr lang="en-US" dirty="0"/>
           </a:p>
         </p:txBody>
       </p:sp>
@@ -6847,17 +7634,41 @@
           <a:lstStyle/>
           <a:p>
             <a:r>
-              <a:rPr lang="en-US" dirty="0" smtClean="0"/>
-              <a:t>Maven Exercise</a:t>
-            </a:r>
-            <a:endParaRPr lang="en-US" dirty="0"/>
+              <a:rPr lang="pl-PL" dirty="0" err="1" smtClean="0"/>
+              <a:t>Maven</a:t>
+            </a:r>
+            <a:r>
+              <a:rPr lang="pl-PL" dirty="0"/>
+              <a:t> </a:t>
+            </a:r>
+            <a:r>
+              <a:rPr lang="pl-PL" dirty="0" err="1" smtClean="0"/>
+              <a:t>lifecycles</a:t>
+            </a:r>
+            <a:r>
+              <a:rPr lang="pl-PL" dirty="0" smtClean="0"/>
+              <a:t>, </a:t>
+            </a:r>
+            <a:r>
+              <a:rPr lang="pl-PL" dirty="0" err="1" smtClean="0"/>
+              <a:t>phases</a:t>
+            </a:r>
+            <a:r>
+              <a:rPr lang="pl-PL" dirty="0" smtClean="0"/>
+              <a:t>, </a:t>
+            </a:r>
+            <a:r>
+              <a:rPr lang="pl-PL" dirty="0" err="1" smtClean="0"/>
+              <a:t>goals</a:t>
+            </a:r>
+            <a:endParaRPr lang="pl-PL" dirty="0"/>
           </a:p>
         </p:txBody>
       </p:sp>
     </p:spTree>
     <p:extLst>
       <p:ext uri="{BB962C8B-B14F-4D97-AF65-F5344CB8AC3E}">
-        <p14:creationId xmlns:p14="http://schemas.microsoft.com/office/powerpoint/2010/main" val="654173042"/>
+        <p14:creationId xmlns:p14="http://schemas.microsoft.com/office/powerpoint/2010/main" val="1584857732"/>
       </p:ext>
     </p:extLst>
   </p:cSld>
@@ -6903,175 +7714,111 @@
         </p:nvSpPr>
         <p:spPr/>
         <p:txBody>
-          <a:bodyPr>
-            <a:normAutofit fontScale="77500" lnSpcReduction="20000"/>
-          </a:bodyPr>
+          <a:bodyPr/>
           <a:lstStyle/>
           <a:p>
-            <a:pPr marL="285750" indent="-285750">
-              <a:buFont typeface="Arial" panose="020B0604020202020204" pitchFamily="34" charset="0"/>
-              <a:buChar char="•"/>
-            </a:pPr>
-            <a:r>
-              <a:rPr lang="en-US" sz="3200" dirty="0" smtClean="0"/>
-              <a:t>Reduce boilerplate code</a:t>
-            </a:r>
-          </a:p>
-          <a:p>
-            <a:pPr marL="285750" indent="-285750">
-              <a:buFont typeface="Arial" panose="020B0604020202020204" pitchFamily="34" charset="0"/>
-              <a:buChar char="•"/>
-            </a:pPr>
-            <a:r>
-              <a:rPr lang="en-US" sz="3200" dirty="0" smtClean="0"/>
-              <a:t>Generation of constructors, getters/setters, equal and </a:t>
-            </a:r>
-            <a:r>
-              <a:rPr lang="en-US" sz="3200" dirty="0" err="1" smtClean="0"/>
-              <a:t>hashCode</a:t>
-            </a:r>
-            <a:r>
-              <a:rPr lang="en-US" sz="3200" dirty="0" smtClean="0"/>
-              <a:t>, </a:t>
-            </a:r>
-            <a:r>
-              <a:rPr lang="en-US" sz="3200" dirty="0" err="1" smtClean="0"/>
-              <a:t>toString</a:t>
-            </a:r>
-            <a:r>
-              <a:rPr lang="en-US" sz="3200" dirty="0" smtClean="0"/>
-              <a:t> methods via annotations:</a:t>
-            </a:r>
-          </a:p>
-          <a:p>
-            <a:pPr marL="571500" lvl="1">
-              <a:buFont typeface="Arial" panose="020B0604020202020204" pitchFamily="34" charset="0"/>
-              <a:buChar char="•"/>
-            </a:pPr>
-            <a:r>
-              <a:rPr lang="en-US" sz="3000" b="0" dirty="0" smtClean="0"/>
-              <a:t>@</a:t>
-            </a:r>
-            <a:r>
-              <a:rPr lang="en-US" sz="3000" b="0" dirty="0" err="1" smtClean="0"/>
-              <a:t>EqualsAndHashCode</a:t>
-            </a:r>
-            <a:endParaRPr lang="en-US" sz="3000" b="0" dirty="0" smtClean="0"/>
-          </a:p>
-          <a:p>
-            <a:pPr marL="571500" lvl="1">
-              <a:buFont typeface="Arial" panose="020B0604020202020204" pitchFamily="34" charset="0"/>
-              <a:buChar char="•"/>
-            </a:pPr>
-            <a:r>
-              <a:rPr lang="en-US" sz="3000" b="0" dirty="0" smtClean="0"/>
-              <a:t>@</a:t>
-            </a:r>
-            <a:r>
-              <a:rPr lang="en-US" sz="3000" b="0" dirty="0" err="1" smtClean="0"/>
-              <a:t>ToString</a:t>
-            </a:r>
-            <a:endParaRPr lang="en-US" sz="3000" b="0" dirty="0" smtClean="0"/>
-          </a:p>
-          <a:p>
-            <a:pPr marL="571500" lvl="1">
-              <a:buFont typeface="Arial" panose="020B0604020202020204" pitchFamily="34" charset="0"/>
-              <a:buChar char="•"/>
-            </a:pPr>
-            <a:r>
-              <a:rPr lang="en-US" sz="3000" b="0" dirty="0" smtClean="0"/>
-              <a:t>@</a:t>
-            </a:r>
-            <a:r>
-              <a:rPr lang="en-US" sz="3000" b="0" dirty="0" err="1" smtClean="0"/>
-              <a:t>AllArgsConstructor</a:t>
-            </a:r>
-            <a:endParaRPr lang="en-US" sz="3000" b="0" dirty="0" smtClean="0"/>
-          </a:p>
-          <a:p>
-            <a:pPr marL="571500" lvl="1">
-              <a:buFont typeface="Arial" panose="020B0604020202020204" pitchFamily="34" charset="0"/>
-              <a:buChar char="•"/>
-            </a:pPr>
-            <a:r>
-              <a:rPr lang="en-US" sz="3000" b="0" dirty="0" smtClean="0"/>
-              <a:t>@Getter</a:t>
-            </a:r>
-          </a:p>
-          <a:p>
-            <a:pPr marL="571500" lvl="1">
-              <a:buFont typeface="Arial" panose="020B0604020202020204" pitchFamily="34" charset="0"/>
-              <a:buChar char="•"/>
-            </a:pPr>
-            <a:r>
-              <a:rPr lang="en-US" sz="3000" b="0" dirty="0" smtClean="0"/>
-              <a:t>@Setter</a:t>
-            </a:r>
-          </a:p>
-          <a:p>
-            <a:pPr marL="171450">
-              <a:buFont typeface="Arial" panose="020B0604020202020204" pitchFamily="34" charset="0"/>
-              <a:buChar char="•"/>
-            </a:pPr>
-            <a:r>
-              <a:rPr lang="en-US" sz="3200" dirty="0" smtClean="0"/>
-              <a:t>Automatic beans creation</a:t>
-            </a:r>
-          </a:p>
-          <a:p>
-            <a:pPr marL="571500" lvl="1">
-              <a:buFont typeface="Arial" panose="020B0604020202020204" pitchFamily="34" charset="0"/>
-              <a:buChar char="•"/>
-            </a:pPr>
-            <a:r>
-              <a:rPr lang="en-US" sz="3000" b="0" dirty="0" smtClean="0"/>
-              <a:t>@Data</a:t>
-            </a:r>
-          </a:p>
-          <a:p>
-            <a:pPr marL="171450">
-              <a:buFont typeface="Arial" panose="020B0604020202020204" pitchFamily="34" charset="0"/>
-              <a:buChar char="•"/>
-            </a:pPr>
-            <a:r>
-              <a:rPr lang="en-US" sz="3000" dirty="0" smtClean="0"/>
-              <a:t>Builder design pattern</a:t>
-            </a:r>
-          </a:p>
-          <a:p>
-            <a:pPr marL="571500" lvl="1">
-              <a:buFont typeface="Arial" panose="020B0604020202020204" pitchFamily="34" charset="0"/>
-              <a:buChar char="•"/>
-            </a:pPr>
-            <a:r>
-              <a:rPr lang="en-US" sz="3000" b="0" dirty="0" smtClean="0"/>
-              <a:t>@Builder</a:t>
-            </a:r>
-          </a:p>
-          <a:p>
-            <a:pPr marL="285750" indent="-285750">
-              <a:buFont typeface="Arial" panose="020B0604020202020204" pitchFamily="34" charset="0"/>
-              <a:buChar char="•"/>
-            </a:pPr>
-            <a:r>
-              <a:rPr lang="en-US" sz="3200" dirty="0" smtClean="0"/>
-              <a:t>More</a:t>
-            </a:r>
-            <a:r>
-              <a:rPr lang="en-US" sz="3200" b="0" dirty="0" smtClean="0"/>
-              <a:t>: </a:t>
-            </a:r>
-            <a:r>
-              <a:rPr lang="en-US" sz="3200" b="0" dirty="0" smtClean="0">
-                <a:hlinkClick r:id="rId2"/>
-              </a:rPr>
-              <a:t>https://projectlombok.org</a:t>
-            </a:r>
-            <a:r>
-              <a:rPr lang="en-US" sz="3200" b="0" dirty="0" smtClean="0"/>
-              <a:t> </a:t>
-            </a:r>
-            <a:endParaRPr lang="en-US" sz="3200" b="0" dirty="0"/>
+            <a:r>
+              <a:rPr lang="en-US" dirty="0" smtClean="0"/>
+              <a:t>Download maven package</a:t>
+            </a:r>
+          </a:p>
+          <a:p>
+            <a:r>
+              <a:rPr lang="en-US" dirty="0" smtClean="0"/>
+              <a:t>Set environment variable: MAVEN_HOME</a:t>
+            </a:r>
+          </a:p>
+          <a:p>
+            <a:r>
+              <a:rPr lang="en-US" dirty="0" smtClean="0"/>
+              <a:t>Using command line or terminal, check your maven version: </a:t>
+            </a:r>
+            <a:r>
+              <a:rPr lang="en-US" i="1" dirty="0" err="1" smtClean="0"/>
+              <a:t>mvn</a:t>
+            </a:r>
+            <a:r>
+              <a:rPr lang="en-US" i="1" dirty="0" smtClean="0"/>
+              <a:t> -v</a:t>
+            </a:r>
+            <a:r>
+              <a:rPr lang="en-US" dirty="0" smtClean="0"/>
+              <a:t> or </a:t>
+            </a:r>
+            <a:r>
+              <a:rPr lang="en-US" i="1" dirty="0" err="1" smtClean="0"/>
+              <a:t>mvn</a:t>
+            </a:r>
+            <a:r>
+              <a:rPr lang="en-US" i="1" dirty="0" smtClean="0"/>
+              <a:t> --version</a:t>
+            </a:r>
+          </a:p>
+          <a:p>
+            <a:r>
+              <a:rPr lang="en-US" dirty="0" smtClean="0"/>
+              <a:t>Generate project with archetype „</a:t>
+            </a:r>
+            <a:r>
+              <a:rPr lang="en-US" dirty="0" err="1" smtClean="0"/>
+              <a:t>quickstart</a:t>
+            </a:r>
+            <a:r>
+              <a:rPr lang="en-US" dirty="0" smtClean="0"/>
+              <a:t>” (default)</a:t>
+            </a:r>
+          </a:p>
+          <a:p>
+            <a:r>
+              <a:rPr lang="en-US" dirty="0" smtClean="0"/>
+              <a:t>Import project into IDE</a:t>
+            </a:r>
+          </a:p>
+          <a:p>
+            <a:r>
+              <a:rPr lang="en-US" dirty="0" smtClean="0"/>
+              <a:t>Review pom.xml</a:t>
+            </a:r>
+          </a:p>
+          <a:p>
+            <a:r>
+              <a:rPr lang="en-US" dirty="0" smtClean="0"/>
+              <a:t>Build package using Maven (using command line)</a:t>
+            </a:r>
+          </a:p>
+          <a:p>
+            <a:r>
+              <a:rPr lang="en-US" dirty="0" smtClean="0"/>
+              <a:t>Add project </a:t>
+            </a:r>
+            <a:r>
+              <a:rPr lang="en-US" dirty="0" err="1" smtClean="0"/>
+              <a:t>lombok</a:t>
+            </a:r>
+            <a:r>
+              <a:rPr lang="en-US" dirty="0" smtClean="0"/>
+              <a:t> dependency</a:t>
+            </a:r>
+          </a:p>
+          <a:p>
+            <a:r>
+              <a:rPr lang="en-US" dirty="0" smtClean="0"/>
+              <a:t>Create simple Java class with </a:t>
+            </a:r>
+            <a:r>
+              <a:rPr lang="en-US" dirty="0" err="1" smtClean="0"/>
+              <a:t>lombok</a:t>
+            </a:r>
+            <a:r>
+              <a:rPr lang="en-US" dirty="0" smtClean="0"/>
+              <a:t> annotation</a:t>
+            </a:r>
+          </a:p>
+          <a:p>
+            <a:r>
+              <a:rPr lang="en-US" dirty="0" smtClean="0"/>
+              <a:t>Build again using Maven</a:t>
+            </a:r>
           </a:p>
         </p:txBody>
       </p:sp>
@@ -7091,172 +7838,17 @@
           <a:lstStyle/>
           <a:p>
             <a:r>
-              <a:rPr lang="pl-PL" dirty="0" smtClean="0"/>
-              <a:t>Project Lombok</a:t>
-            </a:r>
-            <a:endParaRPr lang="pl-PL" dirty="0"/>
-          </a:p>
-        </p:txBody>
-      </p:sp>
-      <p:sp>
-        <p:nvSpPr>
-          <p:cNvPr id="5" name="pole tekstowe 4"/>
-          <p:cNvSpPr txBox="1"/>
-          <p:nvPr/>
-        </p:nvSpPr>
-        <p:spPr>
-          <a:xfrm>
-            <a:off x="4902926" y="2830286"/>
-            <a:ext cx="4036041" cy="1754326"/>
-          </a:xfrm>
-          <a:prstGeom prst="rect">
-            <a:avLst/>
-          </a:prstGeom>
-          <a:noFill/>
-        </p:spPr>
-        <p:txBody>
-          <a:bodyPr wrap="none" rtlCol="0">
-            <a:spAutoFit/>
-          </a:bodyPr>
-          <a:lstStyle/>
-          <a:p>
-            <a:r>
-              <a:rPr lang="pl-PL" i="1" dirty="0"/>
-              <a:t>&lt;</a:t>
-            </a:r>
-            <a:r>
-              <a:rPr lang="pl-PL" i="1" dirty="0" err="1"/>
-              <a:t>dependency</a:t>
-            </a:r>
-            <a:r>
-              <a:rPr lang="pl-PL" i="1" dirty="0"/>
-              <a:t>&gt;</a:t>
-            </a:r>
-          </a:p>
-          <a:p>
-            <a:r>
-              <a:rPr lang="pl-PL" i="1" dirty="0"/>
-              <a:t>  &lt;</a:t>
-            </a:r>
-            <a:r>
-              <a:rPr lang="pl-PL" i="1" dirty="0" err="1"/>
-              <a:t>groupId</a:t>
-            </a:r>
-            <a:r>
-              <a:rPr lang="pl-PL" i="1" dirty="0"/>
-              <a:t>&gt;</a:t>
-            </a:r>
-            <a:r>
-              <a:rPr lang="pl-PL" i="1" dirty="0" err="1"/>
-              <a:t>org.projectlombok</a:t>
-            </a:r>
-            <a:r>
-              <a:rPr lang="pl-PL" i="1" dirty="0"/>
-              <a:t>&lt;/</a:t>
-            </a:r>
-            <a:r>
-              <a:rPr lang="pl-PL" i="1" dirty="0" err="1"/>
-              <a:t>groupId</a:t>
-            </a:r>
-            <a:r>
-              <a:rPr lang="pl-PL" i="1" dirty="0"/>
-              <a:t>&gt;</a:t>
-            </a:r>
-          </a:p>
-          <a:p>
-            <a:r>
-              <a:rPr lang="pl-PL" i="1" dirty="0"/>
-              <a:t>  &lt;</a:t>
-            </a:r>
-            <a:r>
-              <a:rPr lang="pl-PL" i="1" dirty="0" err="1"/>
-              <a:t>artifactId</a:t>
-            </a:r>
-            <a:r>
-              <a:rPr lang="pl-PL" i="1" dirty="0"/>
-              <a:t>&gt;</a:t>
-            </a:r>
-            <a:r>
-              <a:rPr lang="pl-PL" i="1" dirty="0" err="1"/>
-              <a:t>lombok</a:t>
-            </a:r>
-            <a:r>
-              <a:rPr lang="pl-PL" i="1" dirty="0"/>
-              <a:t>&lt;/</a:t>
-            </a:r>
-            <a:r>
-              <a:rPr lang="pl-PL" i="1" dirty="0" err="1"/>
-              <a:t>artifactId</a:t>
-            </a:r>
-            <a:r>
-              <a:rPr lang="pl-PL" i="1" dirty="0"/>
-              <a:t>&gt;</a:t>
-            </a:r>
-          </a:p>
-          <a:p>
-            <a:r>
-              <a:rPr lang="pl-PL" i="1" dirty="0"/>
-              <a:t>  &lt;</a:t>
-            </a:r>
-            <a:r>
-              <a:rPr lang="pl-PL" i="1" dirty="0" smtClean="0"/>
-              <a:t>version&gt;1.16.20</a:t>
-            </a:r>
-            <a:r>
-              <a:rPr lang="pl-PL" i="1" dirty="0"/>
-              <a:t>&lt;/version&gt;</a:t>
-            </a:r>
-          </a:p>
-          <a:p>
-            <a:r>
-              <a:rPr lang="pl-PL" i="1" dirty="0"/>
-              <a:t>  &lt;</a:t>
-            </a:r>
-            <a:r>
-              <a:rPr lang="pl-PL" i="1" dirty="0" err="1"/>
-              <a:t>scope</a:t>
-            </a:r>
-            <a:r>
-              <a:rPr lang="pl-PL" i="1" dirty="0"/>
-              <a:t>&gt;</a:t>
-            </a:r>
-            <a:r>
-              <a:rPr lang="pl-PL" i="1" dirty="0" err="1"/>
-              <a:t>provided</a:t>
-            </a:r>
-            <a:r>
-              <a:rPr lang="pl-PL" i="1" dirty="0"/>
-              <a:t>&lt;/</a:t>
-            </a:r>
-            <a:r>
-              <a:rPr lang="pl-PL" i="1" dirty="0" err="1"/>
-              <a:t>scope</a:t>
-            </a:r>
-            <a:r>
-              <a:rPr lang="pl-PL" i="1" dirty="0"/>
-              <a:t>&gt;</a:t>
-            </a:r>
-          </a:p>
-          <a:p>
-            <a:r>
-              <a:rPr lang="pl-PL" i="1" dirty="0"/>
-              <a:t>&lt;/</a:t>
-            </a:r>
-            <a:r>
-              <a:rPr lang="pl-PL" i="1" dirty="0" err="1"/>
-              <a:t>dependency</a:t>
-            </a:r>
-            <a:r>
-              <a:rPr lang="pl-PL" i="1" dirty="0"/>
-              <a:t>&gt;</a:t>
-            </a:r>
+              <a:rPr lang="en-US" dirty="0" smtClean="0"/>
+              <a:t>Maven Exercise</a:t>
+            </a:r>
+            <a:endParaRPr lang="en-US" dirty="0"/>
           </a:p>
         </p:txBody>
       </p:sp>
     </p:spTree>
     <p:extLst>
       <p:ext uri="{BB962C8B-B14F-4D97-AF65-F5344CB8AC3E}">
-        <p14:creationId xmlns:p14="http://schemas.microsoft.com/office/powerpoint/2010/main" val="471198555"/>
+        <p14:creationId xmlns:p14="http://schemas.microsoft.com/office/powerpoint/2010/main" val="654173042"/>
       </p:ext>
     </p:extLst>
   </p:cSld>
@@ -7302,63 +7894,175 @@
         </p:nvSpPr>
         <p:spPr/>
         <p:txBody>
-          <a:bodyPr/>
+          <a:bodyPr>
+            <a:normAutofit fontScale="77500" lnSpcReduction="20000"/>
+          </a:bodyPr>
           <a:lstStyle/>
           <a:p>
-            <a:r>
-              <a:rPr lang="en-US" dirty="0" smtClean="0"/>
-              <a:t>Wrappers</a:t>
-            </a:r>
-          </a:p>
-          <a:p>
-            <a:r>
-              <a:rPr lang="en-US" dirty="0" smtClean="0"/>
-              <a:t>Multi module projects (aggregator)</a:t>
-            </a:r>
-          </a:p>
-          <a:p>
-            <a:r>
-              <a:rPr lang="en-US" dirty="0" smtClean="0"/>
-              <a:t>Profile</a:t>
-            </a:r>
-          </a:p>
-          <a:p>
-            <a:r>
-              <a:rPr lang="en-US" dirty="0" smtClean="0"/>
-              <a:t>Own plugins</a:t>
-            </a:r>
-          </a:p>
-          <a:p>
-            <a:r>
-              <a:rPr lang="en-US" dirty="0" smtClean="0"/>
-              <a:t>Adding goals to life cycle phases</a:t>
-            </a:r>
-          </a:p>
-          <a:p>
-            <a:r>
-              <a:rPr lang="en-US" dirty="0" smtClean="0"/>
-              <a:t>Local/Remote/Central repositories</a:t>
-            </a:r>
-          </a:p>
-          <a:p>
-            <a:endParaRPr lang="en-US" dirty="0" smtClean="0"/>
-          </a:p>
-          <a:p>
-            <a:r>
-              <a:rPr lang="en-US" dirty="0" smtClean="0"/>
-              <a:t>Read more: </a:t>
-            </a:r>
-            <a:r>
-              <a:rPr lang="en-US" dirty="0" smtClean="0">
+            <a:pPr marL="285750" indent="-285750">
+              <a:buFont typeface="Arial" panose="020B0604020202020204" pitchFamily="34" charset="0"/>
+              <a:buChar char="•"/>
+            </a:pPr>
+            <a:r>
+              <a:rPr lang="en-US" sz="3200" dirty="0" smtClean="0"/>
+              <a:t>Reduce boilerplate code</a:t>
+            </a:r>
+          </a:p>
+          <a:p>
+            <a:pPr marL="285750" indent="-285750">
+              <a:buFont typeface="Arial" panose="020B0604020202020204" pitchFamily="34" charset="0"/>
+              <a:buChar char="•"/>
+            </a:pPr>
+            <a:r>
+              <a:rPr lang="en-US" sz="3200" dirty="0" smtClean="0"/>
+              <a:t>Generation of constructors, getters/setters, equal and </a:t>
+            </a:r>
+            <a:r>
+              <a:rPr lang="en-US" sz="3200" dirty="0" err="1" smtClean="0"/>
+              <a:t>hashCode</a:t>
+            </a:r>
+            <a:r>
+              <a:rPr lang="en-US" sz="3200" dirty="0" smtClean="0"/>
+              <a:t>, </a:t>
+            </a:r>
+            <a:r>
+              <a:rPr lang="en-US" sz="3200" dirty="0" err="1" smtClean="0"/>
+              <a:t>toString</a:t>
+            </a:r>
+            <a:r>
+              <a:rPr lang="en-US" sz="3200" dirty="0" smtClean="0"/>
+              <a:t> methods via annotations:</a:t>
+            </a:r>
+          </a:p>
+          <a:p>
+            <a:pPr marL="571500" lvl="1">
+              <a:buFont typeface="Arial" panose="020B0604020202020204" pitchFamily="34" charset="0"/>
+              <a:buChar char="•"/>
+            </a:pPr>
+            <a:r>
+              <a:rPr lang="en-US" sz="3000" b="0" dirty="0" smtClean="0"/>
+              <a:t>@</a:t>
+            </a:r>
+            <a:r>
+              <a:rPr lang="en-US" sz="3000" b="0" dirty="0" err="1" smtClean="0"/>
+              <a:t>EqualsAndHashCode</a:t>
+            </a:r>
+            <a:endParaRPr lang="en-US" sz="3000" b="0" dirty="0" smtClean="0"/>
+          </a:p>
+          <a:p>
+            <a:pPr marL="571500" lvl="1">
+              <a:buFont typeface="Arial" panose="020B0604020202020204" pitchFamily="34" charset="0"/>
+              <a:buChar char="•"/>
+            </a:pPr>
+            <a:r>
+              <a:rPr lang="en-US" sz="3000" b="0" dirty="0" smtClean="0"/>
+              <a:t>@</a:t>
+            </a:r>
+            <a:r>
+              <a:rPr lang="en-US" sz="3000" b="0" dirty="0" err="1" smtClean="0"/>
+              <a:t>ToString</a:t>
+            </a:r>
+            <a:endParaRPr lang="en-US" sz="3000" b="0" dirty="0" smtClean="0"/>
+          </a:p>
+          <a:p>
+            <a:pPr marL="571500" lvl="1">
+              <a:buFont typeface="Arial" panose="020B0604020202020204" pitchFamily="34" charset="0"/>
+              <a:buChar char="•"/>
+            </a:pPr>
+            <a:r>
+              <a:rPr lang="en-US" sz="3000" b="0" dirty="0" smtClean="0"/>
+              <a:t>@</a:t>
+            </a:r>
+            <a:r>
+              <a:rPr lang="en-US" sz="3000" b="0" dirty="0" err="1" smtClean="0"/>
+              <a:t>AllArgsConstructor</a:t>
+            </a:r>
+            <a:endParaRPr lang="en-US" sz="3000" b="0" dirty="0" smtClean="0"/>
+          </a:p>
+          <a:p>
+            <a:pPr marL="571500" lvl="1">
+              <a:buFont typeface="Arial" panose="020B0604020202020204" pitchFamily="34" charset="0"/>
+              <a:buChar char="•"/>
+            </a:pPr>
+            <a:r>
+              <a:rPr lang="en-US" sz="3000" b="0" dirty="0" smtClean="0"/>
+              <a:t>@Getter</a:t>
+            </a:r>
+          </a:p>
+          <a:p>
+            <a:pPr marL="571500" lvl="1">
+              <a:buFont typeface="Arial" panose="020B0604020202020204" pitchFamily="34" charset="0"/>
+              <a:buChar char="•"/>
+            </a:pPr>
+            <a:r>
+              <a:rPr lang="en-US" sz="3000" b="0" dirty="0" smtClean="0"/>
+              <a:t>@Setter</a:t>
+            </a:r>
+          </a:p>
+          <a:p>
+            <a:pPr marL="171450">
+              <a:buFont typeface="Arial" panose="020B0604020202020204" pitchFamily="34" charset="0"/>
+              <a:buChar char="•"/>
+            </a:pPr>
+            <a:r>
+              <a:rPr lang="en-US" sz="3200" dirty="0" smtClean="0"/>
+              <a:t>Automatic beans creation</a:t>
+            </a:r>
+          </a:p>
+          <a:p>
+            <a:pPr marL="571500" lvl="1">
+              <a:buFont typeface="Arial" panose="020B0604020202020204" pitchFamily="34" charset="0"/>
+              <a:buChar char="•"/>
+            </a:pPr>
+            <a:r>
+              <a:rPr lang="en-US" sz="3000" b="0" dirty="0" smtClean="0"/>
+              <a:t>@Data</a:t>
+            </a:r>
+          </a:p>
+          <a:p>
+            <a:pPr marL="171450">
+              <a:buFont typeface="Arial" panose="020B0604020202020204" pitchFamily="34" charset="0"/>
+              <a:buChar char="•"/>
+            </a:pPr>
+            <a:r>
+              <a:rPr lang="en-US" sz="3000" dirty="0" smtClean="0"/>
+              <a:t>Builder design pattern</a:t>
+            </a:r>
+          </a:p>
+          <a:p>
+            <a:pPr marL="571500" lvl="1">
+              <a:buFont typeface="Arial" panose="020B0604020202020204" pitchFamily="34" charset="0"/>
+              <a:buChar char="•"/>
+            </a:pPr>
+            <a:r>
+              <a:rPr lang="en-US" sz="3000" b="0" dirty="0" smtClean="0"/>
+              <a:t>@Builder</a:t>
+            </a:r>
+          </a:p>
+          <a:p>
+            <a:pPr marL="285750" indent="-285750">
+              <a:buFont typeface="Arial" panose="020B0604020202020204" pitchFamily="34" charset="0"/>
+              <a:buChar char="•"/>
+            </a:pPr>
+            <a:r>
+              <a:rPr lang="en-US" sz="3200" dirty="0" smtClean="0"/>
+              <a:t>More</a:t>
+            </a:r>
+            <a:r>
+              <a:rPr lang="en-US" sz="3200" b="0" dirty="0" smtClean="0"/>
+              <a:t>: </a:t>
+            </a:r>
+            <a:r>
+              <a:rPr lang="en-US" sz="3200" b="0" dirty="0" smtClean="0">
                 <a:hlinkClick r:id="rId2"/>
               </a:rPr>
-              <a:t>http://maven.apache.org/index.html</a:t>
-            </a:r>
-            <a:r>
-              <a:rPr lang="en-US" dirty="0" smtClean="0"/>
+              <a:t>https://projectlombok.org</a:t>
+            </a:r>
+            <a:r>
+              <a:rPr lang="en-US" sz="3200" b="0" dirty="0" smtClean="0"/>
               <a:t> </a:t>
             </a:r>
-            <a:endParaRPr lang="en-US" dirty="0"/>
+            <a:endParaRPr lang="en-US" sz="3200" b="0" dirty="0"/>
           </a:p>
         </p:txBody>
       </p:sp>
@@ -7378,17 +8082,172 @@
           <a:lstStyle/>
           <a:p>
             <a:r>
-              <a:rPr lang="en-US" dirty="0" smtClean="0"/>
-              <a:t>Another Maven’s key features that are worth to be known</a:t>
-            </a:r>
-            <a:endParaRPr lang="en-US" dirty="0"/>
+              <a:rPr lang="pl-PL" dirty="0" smtClean="0"/>
+              <a:t>Project Lombok</a:t>
+            </a:r>
+            <a:endParaRPr lang="pl-PL" dirty="0"/>
+          </a:p>
+        </p:txBody>
+      </p:sp>
+      <p:sp>
+        <p:nvSpPr>
+          <p:cNvPr id="5" name="pole tekstowe 4"/>
+          <p:cNvSpPr txBox="1"/>
+          <p:nvPr/>
+        </p:nvSpPr>
+        <p:spPr>
+          <a:xfrm>
+            <a:off x="4902926" y="2830286"/>
+            <a:ext cx="4036041" cy="1754326"/>
+          </a:xfrm>
+          <a:prstGeom prst="rect">
+            <a:avLst/>
+          </a:prstGeom>
+          <a:noFill/>
+        </p:spPr>
+        <p:txBody>
+          <a:bodyPr wrap="none" rtlCol="0">
+            <a:spAutoFit/>
+          </a:bodyPr>
+          <a:lstStyle/>
+          <a:p>
+            <a:r>
+              <a:rPr lang="pl-PL" i="1" dirty="0"/>
+              <a:t>&lt;</a:t>
+            </a:r>
+            <a:r>
+              <a:rPr lang="pl-PL" i="1" dirty="0" err="1"/>
+              <a:t>dependency</a:t>
+            </a:r>
+            <a:r>
+              <a:rPr lang="pl-PL" i="1" dirty="0"/>
+              <a:t>&gt;</a:t>
+            </a:r>
+          </a:p>
+          <a:p>
+            <a:r>
+              <a:rPr lang="pl-PL" i="1" dirty="0"/>
+              <a:t>  &lt;</a:t>
+            </a:r>
+            <a:r>
+              <a:rPr lang="pl-PL" i="1" dirty="0" err="1"/>
+              <a:t>groupId</a:t>
+            </a:r>
+            <a:r>
+              <a:rPr lang="pl-PL" i="1" dirty="0"/>
+              <a:t>&gt;</a:t>
+            </a:r>
+            <a:r>
+              <a:rPr lang="pl-PL" i="1" dirty="0" err="1"/>
+              <a:t>org.projectlombok</a:t>
+            </a:r>
+            <a:r>
+              <a:rPr lang="pl-PL" i="1" dirty="0"/>
+              <a:t>&lt;/</a:t>
+            </a:r>
+            <a:r>
+              <a:rPr lang="pl-PL" i="1" dirty="0" err="1"/>
+              <a:t>groupId</a:t>
+            </a:r>
+            <a:r>
+              <a:rPr lang="pl-PL" i="1" dirty="0"/>
+              <a:t>&gt;</a:t>
+            </a:r>
+          </a:p>
+          <a:p>
+            <a:r>
+              <a:rPr lang="pl-PL" i="1" dirty="0"/>
+              <a:t>  &lt;</a:t>
+            </a:r>
+            <a:r>
+              <a:rPr lang="pl-PL" i="1" dirty="0" err="1"/>
+              <a:t>artifactId</a:t>
+            </a:r>
+            <a:r>
+              <a:rPr lang="pl-PL" i="1" dirty="0"/>
+              <a:t>&gt;</a:t>
+            </a:r>
+            <a:r>
+              <a:rPr lang="pl-PL" i="1" dirty="0" err="1"/>
+              <a:t>lombok</a:t>
+            </a:r>
+            <a:r>
+              <a:rPr lang="pl-PL" i="1" dirty="0"/>
+              <a:t>&lt;/</a:t>
+            </a:r>
+            <a:r>
+              <a:rPr lang="pl-PL" i="1" dirty="0" err="1"/>
+              <a:t>artifactId</a:t>
+            </a:r>
+            <a:r>
+              <a:rPr lang="pl-PL" i="1" dirty="0"/>
+              <a:t>&gt;</a:t>
+            </a:r>
+          </a:p>
+          <a:p>
+            <a:r>
+              <a:rPr lang="pl-PL" i="1" dirty="0"/>
+              <a:t>  &lt;</a:t>
+            </a:r>
+            <a:r>
+              <a:rPr lang="pl-PL" i="1" dirty="0" smtClean="0"/>
+              <a:t>version&gt;1.16.20</a:t>
+            </a:r>
+            <a:r>
+              <a:rPr lang="pl-PL" i="1" dirty="0"/>
+              <a:t>&lt;/version&gt;</a:t>
+            </a:r>
+          </a:p>
+          <a:p>
+            <a:r>
+              <a:rPr lang="pl-PL" i="1" dirty="0"/>
+              <a:t>  &lt;</a:t>
+            </a:r>
+            <a:r>
+              <a:rPr lang="pl-PL" i="1" dirty="0" err="1"/>
+              <a:t>scope</a:t>
+            </a:r>
+            <a:r>
+              <a:rPr lang="pl-PL" i="1" dirty="0"/>
+              <a:t>&gt;</a:t>
+            </a:r>
+            <a:r>
+              <a:rPr lang="pl-PL" i="1" dirty="0" err="1"/>
+              <a:t>provided</a:t>
+            </a:r>
+            <a:r>
+              <a:rPr lang="pl-PL" i="1" dirty="0"/>
+              <a:t>&lt;/</a:t>
+            </a:r>
+            <a:r>
+              <a:rPr lang="pl-PL" i="1" dirty="0" err="1"/>
+              <a:t>scope</a:t>
+            </a:r>
+            <a:r>
+              <a:rPr lang="pl-PL" i="1" dirty="0"/>
+              <a:t>&gt;</a:t>
+            </a:r>
+          </a:p>
+          <a:p>
+            <a:r>
+              <a:rPr lang="pl-PL" i="1" dirty="0"/>
+              <a:t>&lt;/</a:t>
+            </a:r>
+            <a:r>
+              <a:rPr lang="pl-PL" i="1" dirty="0" err="1"/>
+              <a:t>dependency</a:t>
+            </a:r>
+            <a:r>
+              <a:rPr lang="pl-PL" i="1" dirty="0"/>
+              <a:t>&gt;</a:t>
+            </a:r>
           </a:p>
         </p:txBody>
       </p:sp>
     </p:spTree>
     <p:extLst>
       <p:ext uri="{BB962C8B-B14F-4D97-AF65-F5344CB8AC3E}">
-        <p14:creationId xmlns:p14="http://schemas.microsoft.com/office/powerpoint/2010/main" val="3708573833"/>
+        <p14:creationId xmlns:p14="http://schemas.microsoft.com/office/powerpoint/2010/main" val="471198555"/>
       </p:ext>
     </p:extLst>
   </p:cSld>
@@ -7434,145 +8293,63 @@
         </p:nvSpPr>
         <p:spPr/>
         <p:txBody>
-          <a:bodyPr>
-            <a:normAutofit/>
-          </a:bodyPr>
+          <a:bodyPr/>
           <a:lstStyle/>
           <a:p>
             <a:r>
-              <a:rPr lang="en-US" b="0" dirty="0" smtClean="0"/>
-              <a:t>uses script file (</a:t>
-            </a:r>
-            <a:r>
-              <a:rPr lang="en-US" dirty="0" err="1" smtClean="0"/>
-              <a:t>build.gradle</a:t>
-            </a:r>
-            <a:r>
-              <a:rPr lang="en-US" b="0" dirty="0" smtClean="0"/>
-              <a:t>)</a:t>
-            </a:r>
-          </a:p>
-          <a:p>
-            <a:r>
-              <a:rPr lang="en-US" b="0" dirty="0" smtClean="0"/>
-              <a:t>handles two things:</a:t>
-            </a:r>
-          </a:p>
-          <a:p>
-            <a:pPr lvl="1"/>
-            <a:r>
               <a:rPr lang="en-US" dirty="0" smtClean="0"/>
-              <a:t>project</a:t>
-            </a:r>
-            <a:r>
-              <a:rPr lang="en-US" b="0" dirty="0" smtClean="0"/>
-              <a:t> is made up of different tasks. </a:t>
-            </a:r>
-          </a:p>
-          <a:p>
-            <a:pPr lvl="1"/>
+              <a:t>Wrappers</a:t>
+            </a:r>
+          </a:p>
+          <a:p>
             <a:r>
               <a:rPr lang="en-US" dirty="0" smtClean="0"/>
-              <a:t>task</a:t>
-            </a:r>
-            <a:r>
-              <a:rPr lang="en-US" b="0" dirty="0" smtClean="0"/>
-              <a:t> means a piece of work which a build performs (compile classes, create JAR, generate Javadoc, or publish to repository).</a:t>
-            </a:r>
-          </a:p>
-          <a:p>
-            <a:r>
-              <a:rPr lang="en-US" b="0" dirty="0" smtClean="0"/>
-              <a:t>uses Groovy language for writing scripts (provides a Domain Specific Language (DSL), for describing builds)</a:t>
-            </a:r>
-          </a:p>
-          <a:p>
-            <a:r>
-              <a:rPr lang="en-US" b="0" dirty="0"/>
-              <a:t>b</a:t>
-            </a:r>
-            <a:r>
-              <a:rPr lang="en-US" b="0" dirty="0" smtClean="0"/>
-              <a:t>asic predefined tasks:</a:t>
-            </a:r>
-          </a:p>
-          <a:p>
-            <a:pPr lvl="1"/>
-            <a:r>
-              <a:rPr lang="en-US" b="0" i="1" dirty="0" err="1"/>
-              <a:t>i</a:t>
-            </a:r>
-            <a:r>
-              <a:rPr lang="en-US" b="0" i="1" dirty="0" err="1" smtClean="0"/>
-              <a:t>nit</a:t>
-            </a:r>
-            <a:endParaRPr lang="en-US" b="0" i="1" dirty="0" smtClean="0"/>
-          </a:p>
-          <a:p>
-            <a:pPr lvl="1"/>
-            <a:r>
-              <a:rPr lang="en-US" b="0" i="1" dirty="0"/>
-              <a:t>t</a:t>
-            </a:r>
-            <a:r>
-              <a:rPr lang="en-US" b="0" i="1" dirty="0" smtClean="0"/>
-              <a:t>asks</a:t>
-            </a:r>
-          </a:p>
-          <a:p>
-            <a:pPr lvl="1"/>
-            <a:r>
-              <a:rPr lang="en-US" b="0" i="1" dirty="0"/>
-              <a:t>t</a:t>
-            </a:r>
-            <a:r>
-              <a:rPr lang="en-US" b="0" i="1" dirty="0" smtClean="0"/>
-              <a:t>est</a:t>
-            </a:r>
-          </a:p>
-          <a:p>
-            <a:pPr lvl="1"/>
-            <a:r>
-              <a:rPr lang="en-US" b="0" i="1" dirty="0"/>
-              <a:t>b</a:t>
-            </a:r>
-            <a:r>
-              <a:rPr lang="en-US" b="0" i="1" dirty="0" smtClean="0"/>
-              <a:t>uild</a:t>
-            </a:r>
-          </a:p>
-          <a:p>
-            <a:pPr lvl="1"/>
-            <a:r>
-              <a:rPr lang="en-US" b="0" i="1" dirty="0" smtClean="0"/>
-              <a:t>clean</a:t>
-            </a:r>
-          </a:p>
-          <a:p>
-            <a:r>
-              <a:rPr lang="en-US" b="0" dirty="0" smtClean="0"/>
-              <a:t>learn </a:t>
-            </a:r>
-            <a:r>
-              <a:rPr lang="en-US" b="0" dirty="0"/>
-              <a:t>more: </a:t>
-            </a:r>
-            <a:r>
-              <a:rPr lang="en-US" b="0" dirty="0">
+              <a:t>Multi module projects (aggregator)</a:t>
+            </a:r>
+          </a:p>
+          <a:p>
+            <a:r>
+              <a:rPr lang="en-US" dirty="0" smtClean="0"/>
+              <a:t>Profile</a:t>
+            </a:r>
+          </a:p>
+          <a:p>
+            <a:r>
+              <a:rPr lang="en-US" dirty="0" smtClean="0"/>
+              <a:t>Own plugins</a:t>
+            </a:r>
+          </a:p>
+          <a:p>
+            <a:r>
+              <a:rPr lang="en-US" dirty="0" smtClean="0"/>
+              <a:t>Adding goals to life cycle phases</a:t>
+            </a:r>
+          </a:p>
+          <a:p>
+            <a:r>
+              <a:rPr lang="en-US" dirty="0" smtClean="0"/>
+              <a:t>Local/Remote/Central repositories</a:t>
+            </a:r>
+          </a:p>
+          <a:p>
+            <a:endParaRPr lang="en-US" dirty="0" smtClean="0"/>
+          </a:p>
+          <a:p>
+            <a:r>
+              <a:rPr lang="en-US" dirty="0" smtClean="0"/>
+              <a:t>Read more: </a:t>
+            </a:r>
+            <a:r>
+              <a:rPr lang="en-US" dirty="0" smtClean="0">
                 <a:hlinkClick r:id="rId2"/>
               </a:rPr>
-              <a:t>https://guides.gradle.org</a:t>
-            </a:r>
-            <a:r>
-              <a:rPr lang="en-US" b="0" dirty="0" smtClean="0">
-                <a:hlinkClick r:id="rId2"/>
-              </a:rPr>
-              <a:t>/</a:t>
-            </a:r>
-            <a:r>
-              <a:rPr lang="en-US" b="0" dirty="0" smtClean="0"/>
-              <a:t>  (tutorials)</a:t>
-            </a:r>
+              <a:t>http://maven.apache.org/index.html</a:t>
+            </a:r>
+            <a:r>
+              <a:rPr lang="en-US" dirty="0" smtClean="0"/>
+              <a:t> </a:t>
+            </a:r>
+            <a:endParaRPr lang="en-US" dirty="0"/>
           </a:p>
         </p:txBody>
       </p:sp>
@@ -7592,17 +8369,17 @@
           <a:lstStyle/>
           <a:p>
             <a:r>
-              <a:rPr lang="pl-PL" dirty="0" err="1" smtClean="0"/>
-              <a:t>Gradle</a:t>
-            </a:r>
-            <a:endParaRPr lang="pl-PL" dirty="0"/>
+              <a:rPr lang="en-US" dirty="0" smtClean="0"/>
+              <a:t>Another Maven’s key features that are worth to be known</a:t>
+            </a:r>
+            <a:endParaRPr lang="en-US" dirty="0"/>
           </a:p>
         </p:txBody>
       </p:sp>
     </p:spTree>
     <p:extLst>
       <p:ext uri="{BB962C8B-B14F-4D97-AF65-F5344CB8AC3E}">
-        <p14:creationId xmlns:p14="http://schemas.microsoft.com/office/powerpoint/2010/main" val="426666203"/>
+        <p14:creationId xmlns:p14="http://schemas.microsoft.com/office/powerpoint/2010/main" val="3708573833"/>
       </p:ext>
     </p:extLst>
   </p:cSld>
@@ -7654,131 +8431,138 @@
           <a:lstStyle/>
           <a:p>
             <a:r>
-              <a:rPr lang="en-US" sz="2400" dirty="0" smtClean="0"/>
-              <a:t>Download </a:t>
-            </a:r>
-            <a:r>
-              <a:rPr lang="en-US" sz="2400" dirty="0" err="1" smtClean="0"/>
-              <a:t>Gradle</a:t>
-            </a:r>
-            <a:r>
-              <a:rPr lang="en-US" sz="2400" dirty="0" smtClean="0"/>
-              <a:t> package</a:t>
-            </a:r>
-          </a:p>
-          <a:p>
-            <a:r>
-              <a:rPr lang="en-US" sz="2400" dirty="0" smtClean="0"/>
-              <a:t>Set environment variable GRADLE_HOME</a:t>
-            </a:r>
-          </a:p>
-          <a:p>
-            <a:r>
-              <a:rPr lang="en-US" sz="2400" dirty="0" smtClean="0"/>
-              <a:t>Check </a:t>
-            </a:r>
-            <a:r>
-              <a:rPr lang="en-US" sz="2400" i="1" dirty="0" err="1" smtClean="0"/>
-              <a:t>gradle</a:t>
-            </a:r>
-            <a:r>
-              <a:rPr lang="en-US" sz="2400" i="1" dirty="0" smtClean="0"/>
-              <a:t> -version</a:t>
-            </a:r>
-          </a:p>
-          <a:p>
-            <a:r>
-              <a:rPr lang="en-US" sz="2400" dirty="0" smtClean="0"/>
-              <a:t>Create new project: </a:t>
-            </a:r>
-            <a:r>
-              <a:rPr lang="en-US" sz="2400" i="1" dirty="0" err="1" smtClean="0"/>
-              <a:t>gradle</a:t>
-            </a:r>
-            <a:r>
-              <a:rPr lang="en-US" sz="2400" i="1" dirty="0" smtClean="0"/>
-              <a:t> </a:t>
-            </a:r>
-            <a:r>
-              <a:rPr lang="en-US" sz="2400" i="1" dirty="0" err="1" smtClean="0"/>
-              <a:t>init</a:t>
-            </a:r>
-            <a:r>
-              <a:rPr lang="en-US" sz="2400" i="1" dirty="0" smtClean="0"/>
-              <a:t> --type java-application</a:t>
-            </a:r>
-          </a:p>
-          <a:p>
-            <a:r>
-              <a:rPr lang="en-US" sz="2400" dirty="0" smtClean="0"/>
-              <a:t>Import project into your IDE</a:t>
-            </a:r>
-          </a:p>
-          <a:p>
-            <a:r>
-              <a:rPr lang="en-US" sz="2400" dirty="0" smtClean="0"/>
-              <a:t>Review </a:t>
-            </a:r>
-            <a:r>
-              <a:rPr lang="en-US" sz="2400" i="1" dirty="0" err="1" smtClean="0"/>
+              <a:rPr lang="en-US" b="0" dirty="0" smtClean="0"/>
+              <a:t>uses script file (</a:t>
+            </a:r>
+            <a:r>
+              <a:rPr lang="en-US" dirty="0" err="1" smtClean="0"/>
               <a:t>build.gradle</a:t>
             </a:r>
             <a:r>
-              <a:rPr lang="en-US" sz="2400" dirty="0" smtClean="0"/>
-              <a:t> file</a:t>
-            </a:r>
-          </a:p>
-          <a:p>
-            <a:r>
-              <a:rPr lang="en-US" sz="2400" dirty="0" smtClean="0"/>
-              <a:t>Write </a:t>
-            </a:r>
-            <a:r>
-              <a:rPr lang="pl-PL" sz="2400" dirty="0" err="1" smtClean="0"/>
-              <a:t>custom</a:t>
-            </a:r>
-            <a:r>
-              <a:rPr lang="pl-PL" sz="2400" dirty="0" smtClean="0"/>
-              <a:t> </a:t>
-            </a:r>
-            <a:r>
-              <a:rPr lang="en-US" sz="2400" dirty="0" smtClean="0"/>
+              <a:rPr lang="en-US" b="0" dirty="0" smtClean="0"/>
+              <a:t>)</a:t>
+            </a:r>
+          </a:p>
+          <a:p>
+            <a:r>
+              <a:rPr lang="en-US" b="0" dirty="0" smtClean="0"/>
+              <a:t>handles two things:</a:t>
+            </a:r>
+          </a:p>
+          <a:p>
+            <a:pPr lvl="1"/>
+            <a:r>
+              <a:rPr lang="en-US" dirty="0" smtClean="0"/>
+              <a:t>project</a:t>
+            </a:r>
+            <a:r>
+              <a:rPr lang="en-US" b="0" dirty="0" smtClean="0"/>
+              <a:t> is made up of different tasks. </a:t>
+            </a:r>
+          </a:p>
+          <a:p>
+            <a:pPr lvl="1"/>
+            <a:r>
+              <a:rPr lang="en-US" dirty="0" smtClean="0"/>
               <a:t>task</a:t>
             </a:r>
-          </a:p>
-          <a:p>
-            <a:r>
-              <a:rPr lang="en-US" sz="2400" dirty="0" smtClean="0"/>
-              <a:t>Display all available tasks</a:t>
-            </a:r>
-          </a:p>
-          <a:p>
-            <a:r>
-              <a:rPr lang="en-US" sz="2400" dirty="0" smtClean="0"/>
-              <a:t>Migrate your </a:t>
-            </a:r>
-            <a:r>
-              <a:rPr lang="pl-PL" sz="2400" dirty="0" smtClean="0"/>
-              <a:t>M</a:t>
-            </a:r>
-            <a:r>
-              <a:rPr lang="en-US" sz="2400" dirty="0" err="1" smtClean="0"/>
-              <a:t>aven</a:t>
-            </a:r>
-            <a:r>
-              <a:rPr lang="en-US" sz="2400" dirty="0" smtClean="0"/>
-              <a:t> project into </a:t>
-            </a:r>
-            <a:r>
-              <a:rPr lang="en-US" sz="2400" dirty="0" err="1" smtClean="0"/>
-              <a:t>Gradle</a:t>
-            </a:r>
-            <a:endParaRPr lang="en-US" sz="2400" dirty="0" smtClean="0"/>
-          </a:p>
-          <a:p>
-            <a:r>
-              <a:rPr lang="en-US" sz="2400" dirty="0" smtClean="0"/>
-              <a:t>Run it!</a:t>
+            <a:r>
+              <a:rPr lang="en-US" b="0" dirty="0" smtClean="0"/>
+              <a:t> means a piece of work which a build performs (compile classes, create JAR, generate Javadoc, or publish to repository).</a:t>
+            </a:r>
+          </a:p>
+          <a:p>
+            <a:r>
+              <a:rPr lang="en-US" b="0" dirty="0" smtClean="0"/>
+              <a:t>uses Groovy language for writing scripts (provides a Domain Specific Language (DSL), for describing builds)</a:t>
+            </a:r>
+          </a:p>
+          <a:p>
+            <a:r>
+              <a:rPr lang="en-US" b="0" dirty="0"/>
+              <a:t>b</a:t>
+            </a:r>
+            <a:r>
+              <a:rPr lang="en-US" b="0" dirty="0" smtClean="0"/>
+              <a:t>asic predefined tasks:</a:t>
+            </a:r>
+          </a:p>
+          <a:p>
+            <a:pPr lvl="1"/>
+            <a:r>
+              <a:rPr lang="en-US" b="0" i="1" dirty="0" err="1"/>
+              <a:t>i</a:t>
+            </a:r>
+            <a:r>
+              <a:rPr lang="en-US" b="0" i="1" dirty="0" err="1" smtClean="0"/>
+              <a:t>nit</a:t>
+            </a:r>
+            <a:endParaRPr lang="en-US" b="0" i="1" dirty="0" smtClean="0"/>
+          </a:p>
+          <a:p>
+            <a:pPr lvl="1"/>
+            <a:r>
+              <a:rPr lang="en-US" b="0" i="1" dirty="0"/>
+              <a:t>t</a:t>
+            </a:r>
+            <a:r>
+              <a:rPr lang="en-US" b="0" i="1" dirty="0" smtClean="0"/>
+              <a:t>asks</a:t>
+            </a:r>
+          </a:p>
+          <a:p>
+            <a:pPr lvl="1"/>
+            <a:r>
+              <a:rPr lang="en-US" b="0" i="1" dirty="0"/>
+              <a:t>t</a:t>
+            </a:r>
+            <a:r>
+              <a:rPr lang="en-US" b="0" i="1" dirty="0" smtClean="0"/>
+              <a:t>est</a:t>
+            </a:r>
+          </a:p>
+          <a:p>
+            <a:pPr lvl="1"/>
+            <a:r>
+              <a:rPr lang="en-US" b="0" i="1" dirty="0"/>
+              <a:t>b</a:t>
+            </a:r>
+            <a:r>
+              <a:rPr lang="en-US" b="0" i="1" dirty="0" smtClean="0"/>
+              <a:t>uild</a:t>
+            </a:r>
+          </a:p>
+          <a:p>
+            <a:pPr lvl="1"/>
+            <a:r>
+              <a:rPr lang="en-US" b="0" i="1" dirty="0" smtClean="0"/>
+              <a:t>clean</a:t>
+            </a:r>
+          </a:p>
+          <a:p>
+            <a:r>
+              <a:rPr lang="en-US" b="0" dirty="0" smtClean="0"/>
+              <a:t>learn </a:t>
+            </a:r>
+            <a:r>
+              <a:rPr lang="en-US" b="0" dirty="0"/>
+              <a:t>more: </a:t>
+            </a:r>
+            <a:r>
+              <a:rPr lang="en-US" b="0" dirty="0">
+                <a:hlinkClick r:id="rId2"/>
+              </a:rPr>
+              <a:t>https://guides.gradle.org</a:t>
+            </a:r>
+            <a:r>
+              <a:rPr lang="en-US" b="0" dirty="0" smtClean="0">
+                <a:hlinkClick r:id="rId2"/>
+              </a:rPr>
+              <a:t>/</a:t>
+            </a:r>
+            <a:r>
+              <a:rPr lang="en-US" b="0" dirty="0" smtClean="0"/>
+              <a:t>  (tutorials)</a:t>
             </a:r>
           </a:p>
         </p:txBody>
@@ -7799,21 +8583,17 @@
           <a:lstStyle/>
           <a:p>
             <a:r>
-              <a:rPr lang="en-US" dirty="0" err="1" smtClean="0"/>
+              <a:rPr lang="pl-PL" dirty="0" err="1" smtClean="0"/>
               <a:t>Gradle</a:t>
             </a:r>
-            <a:r>
-              <a:rPr lang="en-US" dirty="0" smtClean="0"/>
-              <a:t> Exercise</a:t>
-            </a:r>
-            <a:endParaRPr lang="en-US" dirty="0"/>
+            <a:endParaRPr lang="pl-PL" dirty="0"/>
           </a:p>
         </p:txBody>
       </p:sp>
     </p:spTree>
     <p:extLst>
       <p:ext uri="{BB962C8B-B14F-4D97-AF65-F5344CB8AC3E}">
-        <p14:creationId xmlns:p14="http://schemas.microsoft.com/office/powerpoint/2010/main" val="288442109"/>
+        <p14:creationId xmlns:p14="http://schemas.microsoft.com/office/powerpoint/2010/main" val="426666203"/>
       </p:ext>
     </p:extLst>
   </p:cSld>
@@ -8435,6 +9215,12 @@
 </file>
 
 <file path=customXml/item1.xml><?xml version="1.0" encoding="utf-8"?>
+<p:properties xmlns:p="http://schemas.microsoft.com/office/2006/metadata/properties" xmlns:xsi="http://www.w3.org/2001/XMLSchema-instance" xmlns:pc="http://schemas.microsoft.com/office/infopath/2007/PartnerControls">
+  <documentManagement/>
+</p:properties>
+</file>
+
+<file path=customXml/item2.xml><?xml version="1.0" encoding="utf-8"?>
 <?mso-contentType ?>
 <FormTemplates xmlns="http://schemas.microsoft.com/sharepoint/v3/contenttype/forms">
   <Display>DocumentLibraryForm</Display>
@@ -8443,7 +9229,7 @@
 </FormTemplates>
 </file>
 
-<file path=customXml/item2.xml><?xml version="1.0" encoding="utf-8"?>
+<file path=customXml/item3.xml><?xml version="1.0" encoding="utf-8"?>
 <ct:contentTypeSchema xmlns:ct="http://schemas.microsoft.com/office/2006/metadata/contentType" xmlns:ma="http://schemas.microsoft.com/office/2006/metadata/properties/metaAttributes" ct:_="" ma:_="" ma:contentTypeName="Dokument" ma:contentTypeID="0x0101008B73FDB3B6CDDC4EABFEF6024518DB1E" ma:contentTypeVersion="0" ma:contentTypeDescription="Utwórz nowy dokument." ma:contentTypeScope="" ma:versionID="5b0fe401cb264f78a723df358f3224ce">
   <xsd:schema xmlns:xsd="http://www.w3.org/2001/XMLSchema" xmlns:xs="http://www.w3.org/2001/XMLSchema" xmlns:p="http://schemas.microsoft.com/office/2006/metadata/properties" targetNamespace="http://schemas.microsoft.com/office/2006/metadata/properties" ma:root="true" ma:fieldsID="2a4808c853e9eb948d4d7c462f60bb1c">
     <xsd:element name="properties">
@@ -8557,13 +9343,22 @@
 </ct:contentTypeSchema>
 </file>
 
-<file path=customXml/item3.xml><?xml version="1.0" encoding="utf-8"?>
-<p:properties xmlns:p="http://schemas.microsoft.com/office/2006/metadata/properties" xmlns:xsi="http://www.w3.org/2001/XMLSchema-instance" xmlns:pc="http://schemas.microsoft.com/office/infopath/2007/PartnerControls">
-  <documentManagement/>
-</p:properties>
+<file path=customXml/itemProps1.xml><?xml version="1.0" encoding="utf-8"?>
+<ds:datastoreItem xmlns:ds="http://schemas.openxmlformats.org/officeDocument/2006/customXml" ds:itemID="{780B84F2-AF1C-4A35-9221-FD7531B2E447}">
+  <ds:schemaRefs>
+    <ds:schemaRef ds:uri="http://schemas.microsoft.com/office/2006/documentManagement/types"/>
+    <ds:schemaRef ds:uri="http://purl.org/dc/dcmitype/"/>
+    <ds:schemaRef ds:uri="http://schemas.microsoft.com/office/2006/metadata/properties"/>
+    <ds:schemaRef ds:uri="http://www.w3.org/XML/1998/namespace"/>
+    <ds:schemaRef ds:uri="http://purl.org/dc/terms/"/>
+    <ds:schemaRef ds:uri="http://schemas.openxmlformats.org/package/2006/metadata/core-properties"/>
+    <ds:schemaRef ds:uri="http://schemas.microsoft.com/office/infopath/2007/PartnerControls"/>
+    <ds:schemaRef ds:uri="http://purl.org/dc/elements/1.1/"/>
+  </ds:schemaRefs>
+</ds:datastoreItem>
 </file>
 
-<file path=customXml/itemProps1.xml><?xml version="1.0" encoding="utf-8"?>
+<file path=customXml/itemProps2.xml><?xml version="1.0" encoding="utf-8"?>
 <ds:datastoreItem xmlns:ds="http://schemas.openxmlformats.org/officeDocument/2006/customXml" ds:itemID="{827AA7A2-AD1B-4BA4-9F58-205F3F431C94}">
   <ds:schemaRefs>
     <ds:schemaRef ds:uri="http://schemas.microsoft.com/sharepoint/v3/contenttype/forms"/>
@@ -8571,7 +9366,7 @@
 </ds:datastoreItem>
 </file>
 
-<file path=customXml/itemProps2.xml><?xml version="1.0" encoding="utf-8"?>
+<file path=customXml/itemProps3.xml><?xml version="1.0" encoding="utf-8"?>
 <ds:datastoreItem xmlns:ds="http://schemas.openxmlformats.org/officeDocument/2006/customXml" ds:itemID="{7AA8641D-943E-4010-BD2D-2E6745070D94}">
   <ds:schemaRefs>
     <ds:schemaRef ds:uri="http://schemas.microsoft.com/office/2006/metadata/contentType"/>
@@ -8585,19 +9380,4 @@
     <ds:schemaRef ds:uri="http://schemas.microsoft.com/office/infopath/2007/PartnerControls"/>
   </ds:schemaRefs>
 </ds:datastoreItem>
-</file>
-
-<file path=customXml/itemProps3.xml><?xml version="1.0" encoding="utf-8"?>
-<ds:datastoreItem xmlns:ds="http://schemas.openxmlformats.org/officeDocument/2006/customXml" ds:itemID="{780B84F2-AF1C-4A35-9221-FD7531B2E447}">
-  <ds:schemaRefs>
-    <ds:schemaRef ds:uri="http://schemas.microsoft.com/office/2006/documentManagement/types"/>
-    <ds:schemaRef ds:uri="http://purl.org/dc/dcmitype/"/>
-    <ds:schemaRef ds:uri="http://schemas.microsoft.com/office/2006/metadata/properties"/>
-    <ds:schemaRef ds:uri="http://www.w3.org/XML/1998/namespace"/>
-    <ds:schemaRef ds:uri="http://purl.org/dc/terms/"/>
-    <ds:schemaRef ds:uri="http://schemas.openxmlformats.org/package/2006/metadata/core-properties"/>
-    <ds:schemaRef ds:uri="http://schemas.microsoft.com/office/infopath/2007/PartnerControls"/>
-    <ds:schemaRef ds:uri="http://purl.org/dc/elements/1.1/"/>
-  </ds:schemaRefs>
-</ds:datastoreItem>
 </file>